--- a/docs/diagrams/ModelComponentClassBetterOopDiagram.pptx
+++ b/docs/diagrams/ModelComponentClassBetterOopDiagram.pptx
@@ -208,7 +208,7 @@
           <a:p>
             <a:fld id="{F5CC4B3F-88C1-4FFA-B1B6-F41C21DC6924}" type="datetimeFigureOut">
               <a:rPr lang="en-US" smtClean="0"/>
-              <a:t>12/5/2018</a:t>
+              <a:t>3/16/2019</a:t>
             </a:fld>
             <a:endParaRPr lang="en-US"/>
           </a:p>
@@ -654,7 +654,7 @@
           <a:p>
             <a:fld id="{78C97017-6FC3-485B-9764-EAC9E56C1D49}" type="datetimeFigureOut">
               <a:rPr lang="en-US" smtClean="0"/>
-              <a:t>12/5/2018</a:t>
+              <a:t>3/16/2019</a:t>
             </a:fld>
             <a:endParaRPr lang="en-US"/>
           </a:p>
@@ -822,7 +822,7 @@
           <a:p>
             <a:fld id="{78C97017-6FC3-485B-9764-EAC9E56C1D49}" type="datetimeFigureOut">
               <a:rPr lang="en-US" smtClean="0"/>
-              <a:t>12/5/2018</a:t>
+              <a:t>3/16/2019</a:t>
             </a:fld>
             <a:endParaRPr lang="en-US"/>
           </a:p>
@@ -1000,7 +1000,7 @@
           <a:p>
             <a:fld id="{78C97017-6FC3-485B-9764-EAC9E56C1D49}" type="datetimeFigureOut">
               <a:rPr lang="en-US" smtClean="0"/>
-              <a:t>12/5/2018</a:t>
+              <a:t>3/16/2019</a:t>
             </a:fld>
             <a:endParaRPr lang="en-US"/>
           </a:p>
@@ -1168,7 +1168,7 @@
           <a:p>
             <a:fld id="{78C97017-6FC3-485B-9764-EAC9E56C1D49}" type="datetimeFigureOut">
               <a:rPr lang="en-US" smtClean="0"/>
-              <a:t>12/5/2018</a:t>
+              <a:t>3/16/2019</a:t>
             </a:fld>
             <a:endParaRPr lang="en-US"/>
           </a:p>
@@ -1413,7 +1413,7 @@
           <a:p>
             <a:fld id="{78C97017-6FC3-485B-9764-EAC9E56C1D49}" type="datetimeFigureOut">
               <a:rPr lang="en-US" smtClean="0"/>
-              <a:t>12/5/2018</a:t>
+              <a:t>3/16/2019</a:t>
             </a:fld>
             <a:endParaRPr lang="en-US"/>
           </a:p>
@@ -1698,7 +1698,7 @@
           <a:p>
             <a:fld id="{78C97017-6FC3-485B-9764-EAC9E56C1D49}" type="datetimeFigureOut">
               <a:rPr lang="en-US" smtClean="0"/>
-              <a:t>12/5/2018</a:t>
+              <a:t>3/16/2019</a:t>
             </a:fld>
             <a:endParaRPr lang="en-US"/>
           </a:p>
@@ -2117,7 +2117,7 @@
           <a:p>
             <a:fld id="{78C97017-6FC3-485B-9764-EAC9E56C1D49}" type="datetimeFigureOut">
               <a:rPr lang="en-US" smtClean="0"/>
-              <a:t>12/5/2018</a:t>
+              <a:t>3/16/2019</a:t>
             </a:fld>
             <a:endParaRPr lang="en-US"/>
           </a:p>
@@ -2234,7 +2234,7 @@
           <a:p>
             <a:fld id="{78C97017-6FC3-485B-9764-EAC9E56C1D49}" type="datetimeFigureOut">
               <a:rPr lang="en-US" smtClean="0"/>
-              <a:t>12/5/2018</a:t>
+              <a:t>3/16/2019</a:t>
             </a:fld>
             <a:endParaRPr lang="en-US"/>
           </a:p>
@@ -2329,7 +2329,7 @@
           <a:p>
             <a:fld id="{78C97017-6FC3-485B-9764-EAC9E56C1D49}" type="datetimeFigureOut">
               <a:rPr lang="en-US" smtClean="0"/>
-              <a:t>12/5/2018</a:t>
+              <a:t>3/16/2019</a:t>
             </a:fld>
             <a:endParaRPr lang="en-US"/>
           </a:p>
@@ -2604,7 +2604,7 @@
           <a:p>
             <a:fld id="{78C97017-6FC3-485B-9764-EAC9E56C1D49}" type="datetimeFigureOut">
               <a:rPr lang="en-US" smtClean="0"/>
-              <a:t>12/5/2018</a:t>
+              <a:t>3/16/2019</a:t>
             </a:fld>
             <a:endParaRPr lang="en-US"/>
           </a:p>
@@ -2856,7 +2856,7 @@
           <a:p>
             <a:fld id="{78C97017-6FC3-485B-9764-EAC9E56C1D49}" type="datetimeFigureOut">
               <a:rPr lang="en-US" smtClean="0"/>
-              <a:t>12/5/2018</a:t>
+              <a:t>3/16/2019</a:t>
             </a:fld>
             <a:endParaRPr lang="en-US"/>
           </a:p>
@@ -3067,7 +3067,7 @@
           <a:p>
             <a:fld id="{78C97017-6FC3-485B-9764-EAC9E56C1D49}" type="datetimeFigureOut">
               <a:rPr lang="en-US" smtClean="0"/>
-              <a:t>12/5/2018</a:t>
+              <a:t>3/16/2019</a:t>
             </a:fld>
             <a:endParaRPr lang="en-US"/>
           </a:p>
@@ -3444,53 +3444,64 @@
       </p:grpSpPr>
       <p:sp>
         <p:nvSpPr>
-          <p:cNvPr id="46" name="Rectangle 8"/>
+          <p:cNvPr id="280" name="Rectangle 65">
+            <a:extLst>
+              <a:ext uri="{FF2B5EF4-FFF2-40B4-BE49-F238E27FC236}">
+                <a16:creationId xmlns:a16="http://schemas.microsoft.com/office/drawing/2014/main" id="{CCEBC4D0-6851-4AF4-9C98-4D539219F63B}"/>
+              </a:ext>
+            </a:extLst>
+          </p:cNvPr>
           <p:cNvSpPr/>
           <p:nvPr/>
         </p:nvSpPr>
         <p:spPr>
           <a:xfrm>
-            <a:off x="1754912" y="3324621"/>
-            <a:ext cx="1447688" cy="346760"/>
-          </a:xfrm>
-          <a:prstGeom prst="rect">
-            <a:avLst/>
+            <a:off x="42597" y="1137060"/>
+            <a:ext cx="8796603" cy="4882740"/>
+          </a:xfrm>
+          <a:prstGeom prst="roundRect">
+            <a:avLst>
+              <a:gd name="adj" fmla="val 3484"/>
+            </a:avLst>
           </a:prstGeom>
+          <a:solidFill>
+            <a:schemeClr val="accent4">
+              <a:lumMod val="20000"/>
+              <a:lumOff val="80000"/>
+            </a:schemeClr>
+          </a:solidFill>
           <a:ln w="19050">
-            <a:solidFill>
-              <a:srgbClr val="7030A0"/>
-            </a:solidFill>
+            <a:noFill/>
           </a:ln>
           <a:effectLst/>
         </p:spPr>
         <p:style>
           <a:lnRef idx="1">
-            <a:schemeClr val="accent4"/>
+            <a:schemeClr val="accent2"/>
           </a:lnRef>
           <a:fillRef idx="2">
-            <a:schemeClr val="accent4"/>
+            <a:schemeClr val="accent2"/>
           </a:fillRef>
           <a:effectRef idx="1">
-            <a:schemeClr val="accent4"/>
+            <a:schemeClr val="accent2"/>
           </a:effectRef>
           <a:fontRef idx="minor">
             <a:schemeClr val="dk1"/>
           </a:fontRef>
         </p:style>
         <p:txBody>
-          <a:bodyPr rtlCol="0" anchor="ctr"/>
-          <a:lstStyle/>
-          <a:p>
-            <a:pPr algn="ctr"/>
-            <a:r>
-              <a:rPr lang="en-US" sz="1050" dirty="0" err="1">
+          <a:bodyPr rtlCol="0" anchor="t"/>
+          <a:lstStyle/>
+          <a:p>
+            <a:r>
+              <a:rPr lang="en-US" sz="1200" b="1" dirty="0">
                 <a:solidFill>
                   <a:srgbClr val="7030A0"/>
                 </a:solidFill>
               </a:rPr>
-              <a:t>VersionedAddressBook</a:t>
-            </a:r>
-            <a:endParaRPr lang="en-SG" sz="1050" dirty="0">
+              <a:t>Model</a:t>
+            </a:r>
+            <a:endParaRPr lang="en-SG" sz="1200" b="1" dirty="0">
               <a:solidFill>
                 <a:srgbClr val="7030A0"/>
               </a:solidFill>
@@ -3498,125 +3509,59 @@
           </a:p>
         </p:txBody>
       </p:sp>
-      <p:sp>
-        <p:nvSpPr>
-          <p:cNvPr id="49" name="Rectangle 8"/>
-          <p:cNvSpPr/>
+      <p:pic>
+        <p:nvPicPr>
+          <p:cNvPr id="298" name="Picture 297">
+            <a:extLst>
+              <a:ext uri="{FF2B5EF4-FFF2-40B4-BE49-F238E27FC236}">
+                <a16:creationId xmlns:a16="http://schemas.microsoft.com/office/drawing/2014/main" id="{5F9689E2-272E-4221-AEA5-21298FE76D2A}"/>
+              </a:ext>
+            </a:extLst>
+          </p:cNvPr>
+          <p:cNvPicPr>
+            <a:picLocks noChangeAspect="1"/>
+          </p:cNvPicPr>
           <p:nvPr/>
-        </p:nvSpPr>
-        <p:spPr>
-          <a:xfrm>
-            <a:off x="3730715" y="3353144"/>
-            <a:ext cx="1156969" cy="346760"/>
+        </p:nvPicPr>
+        <p:blipFill>
+          <a:blip r:embed="rId2"/>
+          <a:stretch>
+            <a:fillRect/>
+          </a:stretch>
+        </p:blipFill>
+        <p:spPr>
+          <a:xfrm rot="16200000">
+            <a:off x="5329324" y="3565687"/>
+            <a:ext cx="489531" cy="585146"/>
           </a:xfrm>
           <a:prstGeom prst="rect">
             <a:avLst/>
           </a:prstGeom>
-          <a:ln w="19050">
-            <a:solidFill>
-              <a:srgbClr val="7030A0"/>
-            </a:solidFill>
-          </a:ln>
-          <a:effectLst/>
-        </p:spPr>
-        <p:style>
-          <a:lnRef idx="1">
-            <a:schemeClr val="accent4"/>
-          </a:lnRef>
-          <a:fillRef idx="2">
-            <a:schemeClr val="accent4"/>
-          </a:fillRef>
-          <a:effectRef idx="1">
-            <a:schemeClr val="accent4"/>
-          </a:effectRef>
-          <a:fontRef idx="minor">
-            <a:schemeClr val="dk1"/>
-          </a:fontRef>
-        </p:style>
-        <p:txBody>
-          <a:bodyPr rtlCol="0" anchor="ctr"/>
-          <a:lstStyle/>
-          <a:p>
-            <a:pPr algn="ctr"/>
-            <a:r>
-              <a:rPr lang="en-US" sz="1050" dirty="0" err="1">
-                <a:solidFill>
-                  <a:srgbClr val="7030A0"/>
-                </a:solidFill>
-              </a:rPr>
-              <a:t>UniquePersonList</a:t>
-            </a:r>
-            <a:endParaRPr lang="en-SG" sz="1050" dirty="0">
-              <a:solidFill>
-                <a:srgbClr val="7030A0"/>
-              </a:solidFill>
-            </a:endParaRPr>
-          </a:p>
-        </p:txBody>
-      </p:sp>
-      <p:sp>
-        <p:nvSpPr>
-          <p:cNvPr id="51" name="Flowchart: Decision 96"/>
-          <p:cNvSpPr/>
-          <p:nvPr/>
-        </p:nvSpPr>
-        <p:spPr>
-          <a:xfrm>
-            <a:off x="3201752" y="3437911"/>
-            <a:ext cx="236048" cy="173380"/>
-          </a:xfrm>
-          <a:prstGeom prst="flowChartDecision">
-            <a:avLst/>
-          </a:prstGeom>
-          <a:solidFill>
-            <a:srgbClr val="7030A0"/>
-          </a:solidFill>
-          <a:ln w="19050">
-            <a:solidFill>
-              <a:srgbClr val="7030A0"/>
-            </a:solidFill>
-          </a:ln>
-          <a:effectLst/>
-        </p:spPr>
-        <p:style>
-          <a:lnRef idx="1">
-            <a:schemeClr val="accent6"/>
-          </a:lnRef>
-          <a:fillRef idx="2">
-            <a:schemeClr val="accent6"/>
-          </a:fillRef>
-          <a:effectRef idx="1">
-            <a:schemeClr val="accent6"/>
-          </a:effectRef>
-          <a:fontRef idx="minor">
-            <a:schemeClr val="dk1"/>
-          </a:fontRef>
-        </p:style>
-        <p:txBody>
-          <a:bodyPr rtlCol="0" anchor="ctr"/>
-          <a:lstStyle/>
-          <a:p>
-            <a:pPr algn="ctr"/>
-            <a:endParaRPr lang="en-US" sz="1050"/>
-          </a:p>
-        </p:txBody>
-      </p:sp>
+        </p:spPr>
+      </p:pic>
       <p:cxnSp>
         <p:nvCxnSpPr>
-          <p:cNvPr id="30" name="Elbow Connector 29"/>
+          <p:cNvPr id="285" name="Elbow Connector 63">
+            <a:extLst>
+              <a:ext uri="{FF2B5EF4-FFF2-40B4-BE49-F238E27FC236}">
+                <a16:creationId xmlns:a16="http://schemas.microsoft.com/office/drawing/2014/main" id="{9D40183B-30A0-4CB9-A41A-680AC8C6F9AF}"/>
+              </a:ext>
+            </a:extLst>
+          </p:cNvPr>
           <p:cNvCxnSpPr>
-            <a:stCxn id="51" idx="3"/>
-            <a:endCxn id="49" idx="1"/>
+            <a:cxnSpLocks/>
           </p:cNvCxnSpPr>
           <p:nvPr/>
         </p:nvCxnSpPr>
         <p:spPr>
-          <a:xfrm>
-            <a:off x="3437800" y="3524601"/>
-            <a:ext cx="292915" cy="1923"/>
+          <a:xfrm rot="10800000" flipV="1">
+            <a:off x="5049549" y="3126410"/>
+            <a:ext cx="774538" cy="491013"/>
           </a:xfrm>
           <a:prstGeom prst="bentConnector3">
-            <a:avLst/>
+            <a:avLst>
+              <a:gd name="adj1" fmla="val 50000"/>
+            </a:avLst>
           </a:prstGeom>
           <a:ln w="19050">
             <a:solidFill>
@@ -3642,16 +3587,46 @@
           </a:fontRef>
         </p:style>
       </p:cxnSp>
-      <p:sp>
-        <p:nvSpPr>
-          <p:cNvPr id="62" name="Rectangle 8"/>
+      <p:pic>
+        <p:nvPicPr>
+          <p:cNvPr id="284" name="Picture 283">
+            <a:extLst>
+              <a:ext uri="{FF2B5EF4-FFF2-40B4-BE49-F238E27FC236}">
+                <a16:creationId xmlns:a16="http://schemas.microsoft.com/office/drawing/2014/main" id="{67B64356-5B4D-4C08-9560-095A5135BF4D}"/>
+              </a:ext>
+            </a:extLst>
+          </p:cNvPr>
+          <p:cNvPicPr>
+            <a:picLocks noChangeAspect="1"/>
+          </p:cNvPicPr>
+          <p:nvPr/>
+        </p:nvPicPr>
+        <p:blipFill>
+          <a:blip r:embed="rId3"/>
+          <a:stretch>
+            <a:fillRect/>
+          </a:stretch>
+        </p:blipFill>
+        <p:spPr>
+          <a:xfrm>
+            <a:off x="4353551" y="2309425"/>
+            <a:ext cx="114300" cy="342900"/>
+          </a:xfrm>
+          <a:prstGeom prst="rect">
+            <a:avLst/>
+          </a:prstGeom>
+        </p:spPr>
+      </p:pic>
+      <p:sp>
+        <p:nvSpPr>
+          <p:cNvPr id="46" name="Rectangle 8"/>
           <p:cNvSpPr/>
           <p:nvPr/>
         </p:nvSpPr>
         <p:spPr>
           <a:xfrm>
-            <a:off x="5282183" y="3347776"/>
-            <a:ext cx="708186" cy="346760"/>
+            <a:off x="76200" y="2133600"/>
+            <a:ext cx="1643436" cy="346760"/>
           </a:xfrm>
           <a:prstGeom prst="rect">
             <a:avLst/>
@@ -3683,12 +3658,12 @@
           <a:p>
             <a:pPr algn="ctr"/>
             <a:r>
-              <a:rPr lang="en-US" sz="1050" dirty="0">
+              <a:rPr lang="en-US" sz="1050" dirty="0" err="1">
                 <a:solidFill>
                   <a:srgbClr val="7030A0"/>
                 </a:solidFill>
               </a:rPr>
-              <a:t>Person</a:t>
+              <a:t>VersionedRestaurantBook</a:t>
             </a:r>
             <a:endParaRPr lang="en-SG" sz="1050" dirty="0">
               <a:solidFill>
@@ -3700,19 +3675,77 @@
       </p:sp>
       <p:sp>
         <p:nvSpPr>
-          <p:cNvPr id="63" name="Flowchart: Decision 96"/>
+          <p:cNvPr id="49" name="Rectangle 8"/>
           <p:cNvSpPr/>
           <p:nvPr/>
         </p:nvSpPr>
         <p:spPr>
           <a:xfrm>
-            <a:off x="4886966" y="3430775"/>
+            <a:off x="2247751" y="2162123"/>
+            <a:ext cx="1156969" cy="346760"/>
+          </a:xfrm>
+          <a:prstGeom prst="rect">
+            <a:avLst/>
+          </a:prstGeom>
+          <a:ln w="19050">
+            <a:solidFill>
+              <a:srgbClr val="7030A0"/>
+            </a:solidFill>
+          </a:ln>
+          <a:effectLst/>
+        </p:spPr>
+        <p:style>
+          <a:lnRef idx="1">
+            <a:schemeClr val="accent4"/>
+          </a:lnRef>
+          <a:fillRef idx="2">
+            <a:schemeClr val="accent4"/>
+          </a:fillRef>
+          <a:effectRef idx="1">
+            <a:schemeClr val="accent4"/>
+          </a:effectRef>
+          <a:fontRef idx="minor">
+            <a:schemeClr val="dk1"/>
+          </a:fontRef>
+        </p:style>
+        <p:txBody>
+          <a:bodyPr rtlCol="0" anchor="ctr"/>
+          <a:lstStyle/>
+          <a:p>
+            <a:pPr algn="ctr"/>
+            <a:r>
+              <a:rPr lang="en-US" sz="1050" dirty="0" err="1">
+                <a:solidFill>
+                  <a:srgbClr val="7030A0"/>
+                </a:solidFill>
+              </a:rPr>
+              <a:t>UniqueItemList</a:t>
+            </a:r>
+            <a:endParaRPr lang="en-SG" sz="1050" dirty="0">
+              <a:solidFill>
+                <a:srgbClr val="7030A0"/>
+              </a:solidFill>
+            </a:endParaRPr>
+          </a:p>
+        </p:txBody>
+      </p:sp>
+      <p:sp>
+        <p:nvSpPr>
+          <p:cNvPr id="51" name="Flowchart: Decision 96"/>
+          <p:cNvSpPr/>
+          <p:nvPr/>
+        </p:nvSpPr>
+        <p:spPr>
+          <a:xfrm>
+            <a:off x="1718788" y="2246890"/>
             <a:ext cx="236048" cy="173380"/>
           </a:xfrm>
           <a:prstGeom prst="flowChartDecision">
             <a:avLst/>
           </a:prstGeom>
-          <a:noFill/>
+          <a:solidFill>
+            <a:srgbClr val="7030A0"/>
+          </a:solidFill>
           <a:ln w="19050">
             <a:solidFill>
               <a:srgbClr val="7030A0"/>
@@ -3745,18 +3778,17 @@
       </p:sp>
       <p:cxnSp>
         <p:nvCxnSpPr>
-          <p:cNvPr id="64" name="Elbow Connector 63"/>
+          <p:cNvPr id="30" name="Elbow Connector 29"/>
           <p:cNvCxnSpPr>
-            <a:cxnSpLocks/>
-            <a:stCxn id="63" idx="3"/>
-            <a:endCxn id="62" idx="1"/>
+            <a:stCxn id="51" idx="3"/>
+            <a:endCxn id="49" idx="1"/>
           </p:cNvCxnSpPr>
           <p:nvPr/>
         </p:nvCxnSpPr>
         <p:spPr>
           <a:xfrm>
-            <a:off x="5123014" y="3517465"/>
-            <a:ext cx="159169" cy="3691"/>
+            <a:off x="1954836" y="2333580"/>
+            <a:ext cx="292915" cy="1923"/>
           </a:xfrm>
           <a:prstGeom prst="bentConnector3">
             <a:avLst/>
@@ -3787,14 +3819,14 @@
       </p:cxnSp>
       <p:sp>
         <p:nvSpPr>
-          <p:cNvPr id="76" name="Rectangle 8"/>
+          <p:cNvPr id="62" name="Rectangle 8"/>
           <p:cNvSpPr/>
           <p:nvPr/>
         </p:nvSpPr>
         <p:spPr>
           <a:xfrm>
-            <a:off x="6680903" y="3053948"/>
-            <a:ext cx="708186" cy="285783"/>
+            <a:off x="2350611" y="3438796"/>
+            <a:ext cx="997083" cy="346760"/>
           </a:xfrm>
           <a:prstGeom prst="rect">
             <a:avLst/>
@@ -3831,7 +3863,18 @@
                   <a:srgbClr val="7030A0"/>
                 </a:solidFill>
               </a:rPr>
-              <a:t>Name</a:t>
+              <a:t>&lt;&lt;interface&gt;&gt;</a:t>
+            </a:r>
+          </a:p>
+          <a:p>
+            <a:pPr algn="ctr"/>
+            <a:r>
+              <a:rPr lang="en-US" sz="1050" dirty="0">
+                <a:solidFill>
+                  <a:srgbClr val="7030A0"/>
+                </a:solidFill>
+              </a:rPr>
+              <a:t>Item</a:t>
             </a:r>
             <a:endParaRPr lang="en-SG" sz="1050" dirty="0">
               <a:solidFill>
@@ -3841,68 +3884,25 @@
           </a:p>
         </p:txBody>
       </p:sp>
-      <p:sp>
-        <p:nvSpPr>
-          <p:cNvPr id="78" name="Flowchart: Decision 96"/>
-          <p:cNvSpPr/>
-          <p:nvPr/>
-        </p:nvSpPr>
-        <p:spPr>
-          <a:xfrm>
-            <a:off x="6010453" y="3437911"/>
-            <a:ext cx="236048" cy="173380"/>
-          </a:xfrm>
-          <a:prstGeom prst="flowChartDecision">
-            <a:avLst/>
-          </a:prstGeom>
-          <a:solidFill>
-            <a:srgbClr val="7030A0"/>
-          </a:solidFill>
-          <a:ln w="19050">
-            <a:solidFill>
-              <a:srgbClr val="7030A0"/>
-            </a:solidFill>
-          </a:ln>
-          <a:effectLst/>
-        </p:spPr>
-        <p:style>
-          <a:lnRef idx="1">
-            <a:schemeClr val="accent6"/>
-          </a:lnRef>
-          <a:fillRef idx="2">
-            <a:schemeClr val="accent6"/>
-          </a:fillRef>
-          <a:effectRef idx="1">
-            <a:schemeClr val="accent6"/>
-          </a:effectRef>
-          <a:fontRef idx="minor">
-            <a:schemeClr val="dk1"/>
-          </a:fontRef>
-        </p:style>
-        <p:txBody>
-          <a:bodyPr rtlCol="0" anchor="ctr"/>
-          <a:lstStyle/>
-          <a:p>
-            <a:pPr algn="ctr"/>
-            <a:endParaRPr lang="en-US" sz="1050"/>
-          </a:p>
-        </p:txBody>
-      </p:sp>
       <p:cxnSp>
         <p:nvCxnSpPr>
-          <p:cNvPr id="79" name="Elbow Connector 78"/>
+          <p:cNvPr id="64" name="Elbow Connector 63"/>
           <p:cNvCxnSpPr>
             <a:cxnSpLocks/>
+            <a:stCxn id="49" idx="2"/>
+            <a:endCxn id="62" idx="0"/>
           </p:cNvCxnSpPr>
           <p:nvPr/>
         </p:nvCxnSpPr>
         <p:spPr>
-          <a:xfrm flipV="1">
-            <a:off x="6246501" y="3196531"/>
-            <a:ext cx="434402" cy="327761"/>
+          <a:xfrm rot="16200000" flipH="1">
+            <a:off x="2372738" y="2962380"/>
+            <a:ext cx="929913" cy="22917"/>
           </a:xfrm>
           <a:prstGeom prst="bentConnector3">
-            <a:avLst/>
+            <a:avLst>
+              <a:gd name="adj1" fmla="val 834"/>
+            </a:avLst>
           </a:prstGeom>
           <a:ln w="19050">
             <a:solidFill>
@@ -3930,14 +3930,98 @@
       </p:cxnSp>
       <p:sp>
         <p:nvSpPr>
-          <p:cNvPr id="80" name="Rectangle 8"/>
+          <p:cNvPr id="54" name="TextBox 53"/>
+          <p:cNvSpPr txBox="1"/>
+          <p:nvPr/>
+        </p:nvSpPr>
+        <p:spPr>
+          <a:xfrm>
+            <a:off x="2058494" y="2412916"/>
+            <a:ext cx="189257" cy="178683"/>
+          </a:xfrm>
+          <a:prstGeom prst="rect">
+            <a:avLst/>
+          </a:prstGeom>
+          <a:noFill/>
+        </p:spPr>
+        <p:txBody>
+          <a:bodyPr wrap="square" lIns="0" tIns="0" rIns="0" bIns="0" rtlCol="0">
+            <a:noAutofit/>
+          </a:bodyPr>
+          <a:lstStyle/>
+          <a:p>
+            <a:pPr algn="ctr"/>
+            <a:r>
+              <a:rPr lang="en-US" sz="1100" dirty="0">
+                <a:solidFill>
+                  <a:srgbClr val="7030A0"/>
+                </a:solidFill>
+              </a:rPr>
+              <a:t>4</a:t>
+            </a:r>
+            <a:endParaRPr lang="en-SG" sz="1100" dirty="0">
+              <a:solidFill>
+                <a:srgbClr val="7030A0"/>
+              </a:solidFill>
+            </a:endParaRPr>
+          </a:p>
+        </p:txBody>
+      </p:sp>
+      <p:sp>
+        <p:nvSpPr>
+          <p:cNvPr id="61" name="TextBox 60"/>
+          <p:cNvSpPr txBox="1"/>
+          <p:nvPr/>
+        </p:nvSpPr>
+        <p:spPr>
+          <a:xfrm>
+            <a:off x="2827892" y="3223873"/>
+            <a:ext cx="189257" cy="178683"/>
+          </a:xfrm>
+          <a:prstGeom prst="rect">
+            <a:avLst/>
+          </a:prstGeom>
+          <a:noFill/>
+        </p:spPr>
+        <p:txBody>
+          <a:bodyPr wrap="square" lIns="0" tIns="0" rIns="0" bIns="0" rtlCol="0">
+            <a:noAutofit/>
+          </a:bodyPr>
+          <a:lstStyle/>
+          <a:p>
+            <a:pPr algn="ctr"/>
+            <a:r>
+              <a:rPr lang="en-US" sz="1100" dirty="0">
+                <a:solidFill>
+                  <a:srgbClr val="7030A0"/>
+                </a:solidFill>
+              </a:rPr>
+              <a:t>*</a:t>
+            </a:r>
+            <a:endParaRPr lang="en-SG" sz="1100" dirty="0">
+              <a:solidFill>
+                <a:srgbClr val="7030A0"/>
+              </a:solidFill>
+            </a:endParaRPr>
+          </a:p>
+        </p:txBody>
+      </p:sp>
+      <p:sp>
+        <p:nvSpPr>
+          <p:cNvPr id="88" name="Rectangle 8">
+            <a:extLst>
+              <a:ext uri="{FF2B5EF4-FFF2-40B4-BE49-F238E27FC236}">
+                <a16:creationId xmlns:a16="http://schemas.microsoft.com/office/drawing/2014/main" id="{258E163F-DE43-4BFF-AB0B-56FDF7812F7E}"/>
+              </a:ext>
+            </a:extLst>
+          </p:cNvPr>
           <p:cNvSpPr/>
           <p:nvPr/>
         </p:nvSpPr>
         <p:spPr>
           <a:xfrm>
-            <a:off x="6680903" y="3376926"/>
-            <a:ext cx="708186" cy="285783"/>
+            <a:off x="4047111" y="3438795"/>
+            <a:ext cx="923488" cy="285783"/>
           </a:xfrm>
           <a:prstGeom prst="rect">
             <a:avLst/>
@@ -3969,44 +4053,178 @@
           <a:p>
             <a:pPr algn="ctr"/>
             <a:r>
-              <a:rPr lang="en-US" sz="1050" dirty="0">
+              <a:rPr lang="en-SG" sz="900" dirty="0">
                 <a:solidFill>
                   <a:srgbClr val="7030A0"/>
                 </a:solidFill>
               </a:rPr>
-              <a:t>Phone</a:t>
-            </a:r>
-            <a:endParaRPr lang="en-SG" sz="1050" dirty="0">
-              <a:solidFill>
-                <a:srgbClr val="7030A0"/>
-              </a:solidFill>
-            </a:endParaRPr>
-          </a:p>
-        </p:txBody>
-      </p:sp>
-      <p:cxnSp>
-        <p:nvCxnSpPr>
-          <p:cNvPr id="81" name="Elbow Connector 80"/>
-          <p:cNvCxnSpPr>
-            <a:stCxn id="78" idx="3"/>
-            <a:endCxn id="80" idx="1"/>
-          </p:cNvCxnSpPr>
+              <a:t>{abstract}</a:t>
+            </a:r>
+          </a:p>
+          <a:p>
+            <a:pPr algn="ctr"/>
+            <a:r>
+              <a:rPr lang="en-SG" sz="900" dirty="0">
+                <a:solidFill>
+                  <a:srgbClr val="7030A0"/>
+                </a:solidFill>
+              </a:rPr>
+              <a:t>Person</a:t>
+            </a:r>
+          </a:p>
+        </p:txBody>
+      </p:sp>
+      <p:sp>
+        <p:nvSpPr>
+          <p:cNvPr id="91" name="Rectangle 8">
+            <a:extLst>
+              <a:ext uri="{FF2B5EF4-FFF2-40B4-BE49-F238E27FC236}">
+                <a16:creationId xmlns:a16="http://schemas.microsoft.com/office/drawing/2014/main" id="{C98A9851-72FB-4113-A6A4-86DD0ACA353B}"/>
+              </a:ext>
+            </a:extLst>
+          </p:cNvPr>
+          <p:cNvSpPr/>
           <p:nvPr/>
-        </p:nvCxnSpPr>
-        <p:spPr>
-          <a:xfrm flipV="1">
-            <a:off x="6246501" y="3519818"/>
-            <a:ext cx="434402" cy="4783"/>
-          </a:xfrm>
-          <a:prstGeom prst="bentConnector3">
+        </p:nvSpPr>
+        <p:spPr>
+          <a:xfrm>
+            <a:off x="4045138" y="2068333"/>
+            <a:ext cx="778310" cy="285783"/>
+          </a:xfrm>
+          <a:prstGeom prst="rect">
             <a:avLst/>
           </a:prstGeom>
           <a:ln w="19050">
             <a:solidFill>
               <a:srgbClr val="7030A0"/>
             </a:solidFill>
+          </a:ln>
+          <a:effectLst/>
+        </p:spPr>
+        <p:style>
+          <a:lnRef idx="1">
+            <a:schemeClr val="accent4"/>
+          </a:lnRef>
+          <a:fillRef idx="2">
+            <a:schemeClr val="accent4"/>
+          </a:fillRef>
+          <a:effectRef idx="1">
+            <a:schemeClr val="accent4"/>
+          </a:effectRef>
+          <a:fontRef idx="minor">
+            <a:schemeClr val="dk1"/>
+          </a:fontRef>
+        </p:style>
+        <p:txBody>
+          <a:bodyPr rtlCol="0" anchor="ctr"/>
+          <a:lstStyle/>
+          <a:p>
+            <a:pPr algn="ctr"/>
+            <a:r>
+              <a:rPr lang="en-US" sz="1050" dirty="0">
+                <a:solidFill>
+                  <a:srgbClr val="7030A0"/>
+                </a:solidFill>
+              </a:rPr>
+              <a:t>Booking</a:t>
+            </a:r>
+            <a:endParaRPr lang="en-SG" sz="1050" dirty="0">
+              <a:solidFill>
+                <a:srgbClr val="7030A0"/>
+              </a:solidFill>
+            </a:endParaRPr>
+          </a:p>
+        </p:txBody>
+      </p:sp>
+      <p:sp>
+        <p:nvSpPr>
+          <p:cNvPr id="95" name="Rectangle 8">
+            <a:extLst>
+              <a:ext uri="{FF2B5EF4-FFF2-40B4-BE49-F238E27FC236}">
+                <a16:creationId xmlns:a16="http://schemas.microsoft.com/office/drawing/2014/main" id="{E125C98F-AA3F-42E6-8CBF-5D0770AB8E97}"/>
+              </a:ext>
+            </a:extLst>
+          </p:cNvPr>
+          <p:cNvSpPr/>
+          <p:nvPr/>
+        </p:nvSpPr>
+        <p:spPr>
+          <a:xfrm>
+            <a:off x="4031882" y="5228837"/>
+            <a:ext cx="778311" cy="285783"/>
+          </a:xfrm>
+          <a:prstGeom prst="rect">
+            <a:avLst/>
+          </a:prstGeom>
+          <a:ln w="19050">
+            <a:solidFill>
+              <a:srgbClr val="7030A0"/>
+            </a:solidFill>
+          </a:ln>
+          <a:effectLst/>
+        </p:spPr>
+        <p:style>
+          <a:lnRef idx="1">
+            <a:schemeClr val="accent4"/>
+          </a:lnRef>
+          <a:fillRef idx="2">
+            <a:schemeClr val="accent4"/>
+          </a:fillRef>
+          <a:effectRef idx="1">
+            <a:schemeClr val="accent4"/>
+          </a:effectRef>
+          <a:fontRef idx="minor">
+            <a:schemeClr val="dk1"/>
+          </a:fontRef>
+        </p:style>
+        <p:txBody>
+          <a:bodyPr rtlCol="0" anchor="ctr"/>
+          <a:lstStyle/>
+          <a:p>
+            <a:pPr algn="ctr"/>
+            <a:r>
+              <a:rPr lang="en-US" sz="1050" dirty="0">
+                <a:solidFill>
+                  <a:srgbClr val="7030A0"/>
+                </a:solidFill>
+              </a:rPr>
+              <a:t>Ingredient</a:t>
+            </a:r>
+          </a:p>
+        </p:txBody>
+      </p:sp>
+      <p:cxnSp>
+        <p:nvCxnSpPr>
+          <p:cNvPr id="98" name="Elbow Connector 63">
+            <a:extLst>
+              <a:ext uri="{FF2B5EF4-FFF2-40B4-BE49-F238E27FC236}">
+                <a16:creationId xmlns:a16="http://schemas.microsoft.com/office/drawing/2014/main" id="{997D01B7-DE09-4549-8C8F-179DEE4020E9}"/>
+              </a:ext>
+            </a:extLst>
+          </p:cNvPr>
+          <p:cNvCxnSpPr>
+            <a:cxnSpLocks/>
+            <a:endCxn id="91" idx="1"/>
+          </p:cNvCxnSpPr>
+          <p:nvPr/>
+        </p:nvCxnSpPr>
+        <p:spPr>
+          <a:xfrm flipV="1">
+            <a:off x="3535112" y="2211225"/>
+            <a:ext cx="510026" cy="1402268"/>
+          </a:xfrm>
+          <a:prstGeom prst="bentConnector3">
+            <a:avLst>
+              <a:gd name="adj1" fmla="val 50000"/>
+            </a:avLst>
+          </a:prstGeom>
+          <a:ln w="19050">
+            <a:solidFill>
+              <a:srgbClr val="7030A0"/>
+            </a:solidFill>
+            <a:prstDash val="sysDot"/>
             <a:headEnd type="none" w="med" len="med"/>
-            <a:tailEnd type="arrow" w="med" len="med"/>
+            <a:tailEnd type="none" w="med" len="med"/>
           </a:ln>
           <a:effectLst/>
         </p:spPr>
@@ -4025,85 +4243,36 @@
           </a:fontRef>
         </p:style>
       </p:cxnSp>
-      <p:sp>
-        <p:nvSpPr>
-          <p:cNvPr id="83" name="Rectangle 8"/>
-          <p:cNvSpPr/>
+      <p:cxnSp>
+        <p:nvCxnSpPr>
+          <p:cNvPr id="101" name="Elbow Connector 63">
+            <a:extLst>
+              <a:ext uri="{FF2B5EF4-FFF2-40B4-BE49-F238E27FC236}">
+                <a16:creationId xmlns:a16="http://schemas.microsoft.com/office/drawing/2014/main" id="{DE09D790-FD68-4EFA-AB5A-D0E814587F86}"/>
+              </a:ext>
+            </a:extLst>
+          </p:cNvPr>
+          <p:cNvCxnSpPr>
+            <a:cxnSpLocks/>
+            <a:endCxn id="95" idx="1"/>
+          </p:cNvCxnSpPr>
           <p:nvPr/>
-        </p:nvSpPr>
-        <p:spPr>
-          <a:xfrm>
-            <a:off x="6680903" y="3699904"/>
-            <a:ext cx="708186" cy="285783"/>
-          </a:xfrm>
-          <a:prstGeom prst="rect">
+        </p:nvCxnSpPr>
+        <p:spPr>
+          <a:xfrm rot="16200000" flipH="1">
+            <a:off x="3582946" y="4922793"/>
+            <a:ext cx="653956" cy="243916"/>
+          </a:xfrm>
+          <a:prstGeom prst="bentConnector2">
             <a:avLst/>
           </a:prstGeom>
           <a:ln w="19050">
             <a:solidFill>
               <a:srgbClr val="7030A0"/>
             </a:solidFill>
-          </a:ln>
-          <a:effectLst/>
-        </p:spPr>
-        <p:style>
-          <a:lnRef idx="1">
-            <a:schemeClr val="accent4"/>
-          </a:lnRef>
-          <a:fillRef idx="2">
-            <a:schemeClr val="accent4"/>
-          </a:fillRef>
-          <a:effectRef idx="1">
-            <a:schemeClr val="accent4"/>
-          </a:effectRef>
-          <a:fontRef idx="minor">
-            <a:schemeClr val="dk1"/>
-          </a:fontRef>
-        </p:style>
-        <p:txBody>
-          <a:bodyPr rtlCol="0" anchor="ctr"/>
-          <a:lstStyle/>
-          <a:p>
-            <a:pPr algn="ctr"/>
-            <a:r>
-              <a:rPr lang="en-US" sz="1050" dirty="0">
-                <a:solidFill>
-                  <a:srgbClr val="7030A0"/>
-                </a:solidFill>
-              </a:rPr>
-              <a:t>Email</a:t>
-            </a:r>
-            <a:endParaRPr lang="en-SG" sz="1050" dirty="0">
-              <a:solidFill>
-                <a:srgbClr val="7030A0"/>
-              </a:solidFill>
-            </a:endParaRPr>
-          </a:p>
-        </p:txBody>
-      </p:sp>
-      <p:cxnSp>
-        <p:nvCxnSpPr>
-          <p:cNvPr id="84" name="Elbow Connector 83"/>
-          <p:cNvCxnSpPr>
-            <a:stCxn id="78" idx="3"/>
-            <a:endCxn id="83" idx="1"/>
-          </p:cNvCxnSpPr>
-          <p:nvPr/>
-        </p:nvCxnSpPr>
-        <p:spPr>
-          <a:xfrm>
-            <a:off x="6246501" y="3524601"/>
-            <a:ext cx="434402" cy="318195"/>
-          </a:xfrm>
-          <a:prstGeom prst="bentConnector3">
-            <a:avLst/>
-          </a:prstGeom>
-          <a:ln w="19050">
-            <a:solidFill>
-              <a:srgbClr val="7030A0"/>
-            </a:solidFill>
+            <a:prstDash val="sysDot"/>
             <a:headEnd type="none" w="med" len="med"/>
-            <a:tailEnd type="arrow" w="med" len="med"/>
+            <a:tailEnd type="none" w="med" len="med"/>
           </a:ln>
           <a:effectLst/>
         </p:spPr>
@@ -4122,86 +4291,35 @@
           </a:fontRef>
         </p:style>
       </p:cxnSp>
-      <p:sp>
-        <p:nvSpPr>
-          <p:cNvPr id="85" name="Rectangle 8"/>
-          <p:cNvSpPr/>
+      <p:cxnSp>
+        <p:nvCxnSpPr>
+          <p:cNvPr id="105" name="Elbow Connector 63">
+            <a:extLst>
+              <a:ext uri="{FF2B5EF4-FFF2-40B4-BE49-F238E27FC236}">
+                <a16:creationId xmlns:a16="http://schemas.microsoft.com/office/drawing/2014/main" id="{1735084B-5EAD-439C-B572-D0BA0362A83E}"/>
+              </a:ext>
+            </a:extLst>
+          </p:cNvPr>
+          <p:cNvCxnSpPr>
+            <a:cxnSpLocks/>
+          </p:cNvCxnSpPr>
           <p:nvPr/>
-        </p:nvSpPr>
-        <p:spPr>
-          <a:xfrm>
-            <a:off x="6680903" y="4022881"/>
-            <a:ext cx="708186" cy="285783"/>
-          </a:xfrm>
-          <a:prstGeom prst="rect">
+        </p:nvCxnSpPr>
+        <p:spPr>
+          <a:xfrm rot="5400000" flipH="1" flipV="1">
+            <a:off x="3375369" y="4024012"/>
+            <a:ext cx="1069109" cy="243916"/>
+          </a:xfrm>
+          <a:prstGeom prst="bentConnector2">
             <a:avLst/>
           </a:prstGeom>
           <a:ln w="19050">
             <a:solidFill>
               <a:srgbClr val="7030A0"/>
             </a:solidFill>
-          </a:ln>
-          <a:effectLst/>
-        </p:spPr>
-        <p:style>
-          <a:lnRef idx="1">
-            <a:schemeClr val="accent4"/>
-          </a:lnRef>
-          <a:fillRef idx="2">
-            <a:schemeClr val="accent4"/>
-          </a:fillRef>
-          <a:effectRef idx="1">
-            <a:schemeClr val="accent4"/>
-          </a:effectRef>
-          <a:fontRef idx="minor">
-            <a:schemeClr val="dk1"/>
-          </a:fontRef>
-        </p:style>
-        <p:txBody>
-          <a:bodyPr rtlCol="0" anchor="ctr"/>
-          <a:lstStyle/>
-          <a:p>
-            <a:pPr algn="ctr"/>
-            <a:r>
-              <a:rPr lang="en-US" sz="1050" dirty="0">
-                <a:solidFill>
-                  <a:srgbClr val="7030A0"/>
-                </a:solidFill>
-              </a:rPr>
-              <a:t>Address</a:t>
-            </a:r>
-            <a:endParaRPr lang="en-SG" sz="1050" dirty="0">
-              <a:solidFill>
-                <a:srgbClr val="7030A0"/>
-              </a:solidFill>
-            </a:endParaRPr>
-          </a:p>
-        </p:txBody>
-      </p:sp>
-      <p:cxnSp>
-        <p:nvCxnSpPr>
-          <p:cNvPr id="86" name="Elbow Connector 85"/>
-          <p:cNvCxnSpPr>
-            <a:cxnSpLocks/>
-            <a:stCxn id="78" idx="3"/>
-            <a:endCxn id="85" idx="1"/>
-          </p:cNvCxnSpPr>
-          <p:nvPr/>
-        </p:nvCxnSpPr>
-        <p:spPr>
-          <a:xfrm>
-            <a:off x="6246501" y="3524601"/>
-            <a:ext cx="434402" cy="641172"/>
-          </a:xfrm>
-          <a:prstGeom prst="bentConnector3">
-            <a:avLst/>
-          </a:prstGeom>
-          <a:ln w="19050">
-            <a:solidFill>
-              <a:srgbClr val="7030A0"/>
-            </a:solidFill>
+            <a:prstDash val="sysDot"/>
             <a:headEnd type="none" w="med" len="med"/>
-            <a:tailEnd type="arrow" w="med" len="med"/>
+            <a:tailEnd type="none" w="med" len="med"/>
           </a:ln>
           <a:effectLst/>
         </p:spPr>
@@ -4222,88 +4340,10 @@
       </p:cxnSp>
       <p:sp>
         <p:nvSpPr>
-          <p:cNvPr id="54" name="TextBox 53"/>
-          <p:cNvSpPr txBox="1"/>
-          <p:nvPr/>
-        </p:nvSpPr>
-        <p:spPr>
-          <a:xfrm>
-            <a:off x="3293478" y="3548574"/>
-            <a:ext cx="189257" cy="178683"/>
-          </a:xfrm>
-          <a:prstGeom prst="rect">
-            <a:avLst/>
-          </a:prstGeom>
-          <a:noFill/>
-        </p:spPr>
-        <p:txBody>
-          <a:bodyPr wrap="square" lIns="0" tIns="0" rIns="0" bIns="0" rtlCol="0">
-            <a:noAutofit/>
-          </a:bodyPr>
-          <a:lstStyle/>
-          <a:p>
-            <a:pPr algn="ctr"/>
-            <a:r>
-              <a:rPr lang="en-US" sz="1100" dirty="0">
-                <a:solidFill>
-                  <a:srgbClr val="7030A0"/>
-                </a:solidFill>
-              </a:rPr>
-              <a:t>1</a:t>
-            </a:r>
-            <a:endParaRPr lang="en-SG" sz="1100" dirty="0">
-              <a:solidFill>
-                <a:srgbClr val="7030A0"/>
-              </a:solidFill>
-            </a:endParaRPr>
-          </a:p>
-        </p:txBody>
-      </p:sp>
-      <p:sp>
-        <p:nvSpPr>
-          <p:cNvPr id="61" name="TextBox 60"/>
-          <p:cNvSpPr txBox="1"/>
-          <p:nvPr/>
-        </p:nvSpPr>
-        <p:spPr>
-          <a:xfrm>
-            <a:off x="5103762" y="3587627"/>
-            <a:ext cx="189257" cy="178683"/>
-          </a:xfrm>
-          <a:prstGeom prst="rect">
-            <a:avLst/>
-          </a:prstGeom>
-          <a:noFill/>
-        </p:spPr>
-        <p:txBody>
-          <a:bodyPr wrap="square" lIns="0" tIns="0" rIns="0" bIns="0" rtlCol="0">
-            <a:noAutofit/>
-          </a:bodyPr>
-          <a:lstStyle/>
-          <a:p>
-            <a:pPr algn="ctr"/>
-            <a:r>
-              <a:rPr lang="en-US" sz="1100" dirty="0">
-                <a:solidFill>
-                  <a:srgbClr val="7030A0"/>
-                </a:solidFill>
-              </a:rPr>
-              <a:t>*</a:t>
-            </a:r>
-            <a:endParaRPr lang="en-SG" sz="1100" dirty="0">
-              <a:solidFill>
-                <a:srgbClr val="7030A0"/>
-              </a:solidFill>
-            </a:endParaRPr>
-          </a:p>
-        </p:txBody>
-      </p:sp>
-      <p:sp>
-        <p:nvSpPr>
-          <p:cNvPr id="52" name="Rectangle 8">
+          <p:cNvPr id="146" name="Flowchart: Decision 96">
             <a:extLst>
               <a:ext uri="{FF2B5EF4-FFF2-40B4-BE49-F238E27FC236}">
-                <a16:creationId xmlns:a16="http://schemas.microsoft.com/office/drawing/2014/main" id="{ABDCDBD2-131A-4B66-A2F2-43BBEE82C773}"/>
+                <a16:creationId xmlns:a16="http://schemas.microsoft.com/office/drawing/2014/main" id="{5273432A-BA80-48D6-96D5-259A05A3A0E3}"/>
               </a:ext>
             </a:extLst>
           </p:cNvPr>
@@ -4312,12 +4352,15 @@
         </p:nvSpPr>
         <p:spPr>
           <a:xfrm>
-            <a:off x="3724378" y="2696571"/>
-            <a:ext cx="1156969" cy="285783"/>
-          </a:xfrm>
-          <a:prstGeom prst="rect">
+            <a:off x="4309375" y="3744447"/>
+            <a:ext cx="236048" cy="173380"/>
+          </a:xfrm>
+          <a:prstGeom prst="flowChartDecision">
             <a:avLst/>
           </a:prstGeom>
+          <a:solidFill>
+            <a:srgbClr val="7030A0"/>
+          </a:solidFill>
           <a:ln w="19050">
             <a:solidFill>
               <a:srgbClr val="7030A0"/>
@@ -4327,13 +4370,13 @@
         </p:spPr>
         <p:style>
           <a:lnRef idx="1">
-            <a:schemeClr val="accent4"/>
+            <a:schemeClr val="accent6"/>
           </a:lnRef>
           <a:fillRef idx="2">
-            <a:schemeClr val="accent4"/>
+            <a:schemeClr val="accent6"/>
           </a:fillRef>
           <a:effectRef idx="1">
-            <a:schemeClr val="accent4"/>
+            <a:schemeClr val="accent6"/>
           </a:effectRef>
           <a:fontRef idx="minor">
             <a:schemeClr val="dk1"/>
@@ -4344,45 +4387,34 @@
           <a:lstStyle/>
           <a:p>
             <a:pPr algn="ctr"/>
-            <a:r>
-              <a:rPr lang="en-US" sz="1050" dirty="0" err="1">
-                <a:solidFill>
-                  <a:srgbClr val="7030A0"/>
-                </a:solidFill>
-              </a:rPr>
-              <a:t>UniqueTagList</a:t>
-            </a:r>
-            <a:endParaRPr lang="en-SG" sz="1050" dirty="0">
-              <a:solidFill>
-                <a:srgbClr val="7030A0"/>
-              </a:solidFill>
-            </a:endParaRPr>
+            <a:endParaRPr lang="en-US" sz="1050" dirty="0"/>
           </a:p>
         </p:txBody>
       </p:sp>
       <p:cxnSp>
         <p:nvCxnSpPr>
-          <p:cNvPr id="53" name="Elbow Connector 78">
+          <p:cNvPr id="150" name="Elbow Connector 80">
             <a:extLst>
               <a:ext uri="{FF2B5EF4-FFF2-40B4-BE49-F238E27FC236}">
-                <a16:creationId xmlns:a16="http://schemas.microsoft.com/office/drawing/2014/main" id="{B97967F8-618A-448B-81FD-CDFD4AF0EC64}"/>
+                <a16:creationId xmlns:a16="http://schemas.microsoft.com/office/drawing/2014/main" id="{1A6778C1-201F-4762-BE1C-3B4F31626376}"/>
               </a:ext>
             </a:extLst>
           </p:cNvPr>
           <p:cNvCxnSpPr>
             <a:cxnSpLocks/>
-            <a:stCxn id="54" idx="0"/>
-            <a:endCxn id="52" idx="1"/>
+            <a:endCxn id="175" idx="0"/>
           </p:cNvCxnSpPr>
           <p:nvPr/>
         </p:nvCxnSpPr>
         <p:spPr>
-          <a:xfrm rot="5400000" flipH="1" flipV="1">
-            <a:off x="3201687" y="3025884"/>
-            <a:ext cx="709111" cy="336271"/>
-          </a:xfrm>
-          <a:prstGeom prst="bentConnector2">
-            <a:avLst/>
+          <a:xfrm rot="16200000" flipH="1">
+            <a:off x="4333636" y="4017895"/>
+            <a:ext cx="629806" cy="428491"/>
+          </a:xfrm>
+          <a:prstGeom prst="bentConnector3">
+            <a:avLst>
+              <a:gd name="adj1" fmla="val 43951"/>
+            </a:avLst>
           </a:prstGeom>
           <a:ln w="19050">
             <a:solidFill>
@@ -4408,124 +4440,29 @@
           </a:fontRef>
         </p:style>
       </p:cxnSp>
-      <p:sp>
-        <p:nvSpPr>
-          <p:cNvPr id="50" name="TextBox 49">
+      <p:cxnSp>
+        <p:nvCxnSpPr>
+          <p:cNvPr id="157" name="Elbow Connector 80">
             <a:extLst>
               <a:ext uri="{FF2B5EF4-FFF2-40B4-BE49-F238E27FC236}">
-                <a16:creationId xmlns:a16="http://schemas.microsoft.com/office/drawing/2014/main" id="{B3FA9D57-880F-49C4-AD0B-A64E30D6F403}"/>
-              </a:ext>
-            </a:extLst>
-          </p:cNvPr>
-          <p:cNvSpPr txBox="1"/>
-          <p:nvPr/>
-        </p:nvSpPr>
-        <p:spPr>
-          <a:xfrm>
-            <a:off x="5682850" y="2920431"/>
-            <a:ext cx="189257" cy="178683"/>
-          </a:xfrm>
-          <a:prstGeom prst="rect">
-            <a:avLst/>
-          </a:prstGeom>
-          <a:noFill/>
-        </p:spPr>
-        <p:txBody>
-          <a:bodyPr wrap="square" lIns="0" tIns="0" rIns="0" bIns="0" rtlCol="0">
-            <a:noAutofit/>
-          </a:bodyPr>
-          <a:lstStyle/>
-          <a:p>
-            <a:pPr algn="ctr"/>
-            <a:r>
-              <a:rPr lang="en-US" sz="1100" dirty="0">
-                <a:solidFill>
-                  <a:srgbClr val="7030A0"/>
-                </a:solidFill>
-              </a:rPr>
-              <a:t>*</a:t>
-            </a:r>
-            <a:endParaRPr lang="en-SG" sz="1100" dirty="0">
-              <a:solidFill>
-                <a:srgbClr val="7030A0"/>
-              </a:solidFill>
-            </a:endParaRPr>
-          </a:p>
-        </p:txBody>
-      </p:sp>
-      <p:sp>
-        <p:nvSpPr>
-          <p:cNvPr id="55" name="Flowchart: Decision 96">
-            <a:extLst>
-              <a:ext uri="{FF2B5EF4-FFF2-40B4-BE49-F238E27FC236}">
-                <a16:creationId xmlns:a16="http://schemas.microsoft.com/office/drawing/2014/main" id="{B9F96195-942D-4692-91B7-CF34229E7461}"/>
-              </a:ext>
-            </a:extLst>
-          </p:cNvPr>
-          <p:cNvSpPr/>
-          <p:nvPr/>
-        </p:nvSpPr>
-        <p:spPr>
-          <a:xfrm rot="16200000">
-            <a:off x="5521988" y="3154431"/>
-            <a:ext cx="236048" cy="173380"/>
-          </a:xfrm>
-          <a:prstGeom prst="flowChartDecision">
-            <a:avLst/>
-          </a:prstGeom>
-          <a:noFill/>
-          <a:ln w="19050">
-            <a:solidFill>
-              <a:srgbClr val="7030A0"/>
-            </a:solidFill>
-          </a:ln>
-          <a:effectLst/>
-        </p:spPr>
-        <p:style>
-          <a:lnRef idx="1">
-            <a:schemeClr val="accent6"/>
-          </a:lnRef>
-          <a:fillRef idx="2">
-            <a:schemeClr val="accent6"/>
-          </a:fillRef>
-          <a:effectRef idx="1">
-            <a:schemeClr val="accent6"/>
-          </a:effectRef>
-          <a:fontRef idx="minor">
-            <a:schemeClr val="dk1"/>
-          </a:fontRef>
-        </p:style>
-        <p:txBody>
-          <a:bodyPr rtlCol="0" anchor="ctr"/>
-          <a:lstStyle/>
-          <a:p>
-            <a:pPr algn="ctr"/>
-            <a:endParaRPr lang="en-US" sz="1050"/>
-          </a:p>
-        </p:txBody>
-      </p:sp>
-      <p:cxnSp>
-        <p:nvCxnSpPr>
-          <p:cNvPr id="59" name="Elbow Connector 63">
-            <a:extLst>
-              <a:ext uri="{FF2B5EF4-FFF2-40B4-BE49-F238E27FC236}">
-                <a16:creationId xmlns:a16="http://schemas.microsoft.com/office/drawing/2014/main" id="{E2D6A56C-A223-4236-A1F0-7EFEBA2FC940}"/>
+                <a16:creationId xmlns:a16="http://schemas.microsoft.com/office/drawing/2014/main" id="{78C11C40-EC63-4574-8876-A0CE444D7DA3}"/>
               </a:ext>
             </a:extLst>
           </p:cNvPr>
           <p:cNvCxnSpPr>
             <a:cxnSpLocks/>
-            <a:endCxn id="67" idx="1"/>
           </p:cNvCxnSpPr>
           <p:nvPr/>
         </p:nvCxnSpPr>
         <p:spPr>
-          <a:xfrm flipV="1">
-            <a:off x="4852786" y="2722716"/>
-            <a:ext cx="432916" cy="111294"/>
+          <a:xfrm rot="10800000" flipV="1">
+            <a:off x="4218220" y="4184835"/>
+            <a:ext cx="631185" cy="362209"/>
           </a:xfrm>
           <a:prstGeom prst="bentConnector3">
-            <a:avLst/>
+            <a:avLst>
+              <a:gd name="adj1" fmla="val 99497"/>
+            </a:avLst>
           </a:prstGeom>
           <a:ln w="19050">
             <a:solidFill>
@@ -4551,236 +4488,28 @@
           </a:fontRef>
         </p:style>
       </p:cxnSp>
-      <p:sp>
-        <p:nvSpPr>
-          <p:cNvPr id="67" name="Rectangle 8">
+      <p:cxnSp>
+        <p:nvCxnSpPr>
+          <p:cNvPr id="161" name="Elbow Connector 80">
             <a:extLst>
               <a:ext uri="{FF2B5EF4-FFF2-40B4-BE49-F238E27FC236}">
-                <a16:creationId xmlns:a16="http://schemas.microsoft.com/office/drawing/2014/main" id="{36D68104-33BB-4C8F-B764-F3F0B25E592B}"/>
-              </a:ext>
-            </a:extLst>
-          </p:cNvPr>
-          <p:cNvSpPr/>
-          <p:nvPr/>
-        </p:nvSpPr>
-        <p:spPr>
-          <a:xfrm>
-            <a:off x="5285702" y="2549336"/>
-            <a:ext cx="708186" cy="346760"/>
-          </a:xfrm>
-          <a:prstGeom prst="rect">
-            <a:avLst/>
-          </a:prstGeom>
-          <a:ln w="19050">
-            <a:solidFill>
-              <a:srgbClr val="7030A0"/>
-            </a:solidFill>
-          </a:ln>
-          <a:effectLst/>
-        </p:spPr>
-        <p:style>
-          <a:lnRef idx="1">
-            <a:schemeClr val="accent4"/>
-          </a:lnRef>
-          <a:fillRef idx="2">
-            <a:schemeClr val="accent4"/>
-          </a:fillRef>
-          <a:effectRef idx="1">
-            <a:schemeClr val="accent4"/>
-          </a:effectRef>
-          <a:fontRef idx="minor">
-            <a:schemeClr val="dk1"/>
-          </a:fontRef>
-        </p:style>
-        <p:txBody>
-          <a:bodyPr rtlCol="0" anchor="ctr"/>
-          <a:lstStyle/>
-          <a:p>
-            <a:pPr algn="ctr"/>
-            <a:r>
-              <a:rPr lang="en-US" sz="1050" dirty="0">
-                <a:solidFill>
-                  <a:srgbClr val="7030A0"/>
-                </a:solidFill>
-              </a:rPr>
-              <a:t>Tag</a:t>
-            </a:r>
-            <a:endParaRPr lang="en-SG" sz="1050" dirty="0">
-              <a:solidFill>
-                <a:srgbClr val="7030A0"/>
-              </a:solidFill>
-            </a:endParaRPr>
-          </a:p>
-        </p:txBody>
-      </p:sp>
-      <p:sp>
-        <p:nvSpPr>
-          <p:cNvPr id="68" name="TextBox 67">
-            <a:extLst>
-              <a:ext uri="{FF2B5EF4-FFF2-40B4-BE49-F238E27FC236}">
-                <a16:creationId xmlns:a16="http://schemas.microsoft.com/office/drawing/2014/main" id="{18A2ABF0-4DA8-43EE-BACE-A737C4E4CFEC}"/>
-              </a:ext>
-            </a:extLst>
-          </p:cNvPr>
-          <p:cNvSpPr txBox="1"/>
-          <p:nvPr/>
-        </p:nvSpPr>
-        <p:spPr>
-          <a:xfrm>
-            <a:off x="5103762" y="2767724"/>
-            <a:ext cx="189257" cy="178683"/>
-          </a:xfrm>
-          <a:prstGeom prst="rect">
-            <a:avLst/>
-          </a:prstGeom>
-          <a:noFill/>
-        </p:spPr>
-        <p:txBody>
-          <a:bodyPr wrap="square" lIns="0" tIns="0" rIns="0" bIns="0" rtlCol="0">
-            <a:noAutofit/>
-          </a:bodyPr>
-          <a:lstStyle/>
-          <a:p>
-            <a:pPr algn="ctr"/>
-            <a:r>
-              <a:rPr lang="en-US" sz="1100" dirty="0">
-                <a:solidFill>
-                  <a:srgbClr val="7030A0"/>
-                </a:solidFill>
-              </a:rPr>
-              <a:t>*</a:t>
-            </a:r>
-            <a:endParaRPr lang="en-SG" sz="1100" dirty="0">
-              <a:solidFill>
-                <a:srgbClr val="7030A0"/>
-              </a:solidFill>
-            </a:endParaRPr>
-          </a:p>
-        </p:txBody>
-      </p:sp>
-      <p:sp>
-        <p:nvSpPr>
-          <p:cNvPr id="69" name="TextBox 68">
-            <a:extLst>
-              <a:ext uri="{FF2B5EF4-FFF2-40B4-BE49-F238E27FC236}">
-                <a16:creationId xmlns:a16="http://schemas.microsoft.com/office/drawing/2014/main" id="{8CF9406A-39C7-4163-8880-BB65541FC08E}"/>
-              </a:ext>
-            </a:extLst>
-          </p:cNvPr>
-          <p:cNvSpPr txBox="1"/>
-          <p:nvPr/>
-        </p:nvSpPr>
-        <p:spPr>
-          <a:xfrm>
-            <a:off x="3335606" y="2662682"/>
-            <a:ext cx="189257" cy="178683"/>
-          </a:xfrm>
-          <a:prstGeom prst="rect">
-            <a:avLst/>
-          </a:prstGeom>
-          <a:noFill/>
-        </p:spPr>
-        <p:txBody>
-          <a:bodyPr wrap="square" lIns="0" tIns="0" rIns="0" bIns="0" rtlCol="0">
-            <a:noAutofit/>
-          </a:bodyPr>
-          <a:lstStyle/>
-          <a:p>
-            <a:pPr algn="ctr"/>
-            <a:r>
-              <a:rPr lang="en-US" sz="1100" dirty="0">
-                <a:solidFill>
-                  <a:srgbClr val="7030A0"/>
-                </a:solidFill>
-              </a:rPr>
-              <a:t>1</a:t>
-            </a:r>
-            <a:endParaRPr lang="en-SG" sz="1100" dirty="0">
-              <a:solidFill>
-                <a:srgbClr val="7030A0"/>
-              </a:solidFill>
-            </a:endParaRPr>
-          </a:p>
-        </p:txBody>
-      </p:sp>
-      <p:sp>
-        <p:nvSpPr>
-          <p:cNvPr id="71" name="Flowchart: Decision 96">
-            <a:extLst>
-              <a:ext uri="{FF2B5EF4-FFF2-40B4-BE49-F238E27FC236}">
-                <a16:creationId xmlns:a16="http://schemas.microsoft.com/office/drawing/2014/main" id="{233007D4-EEA2-4CA6-ACFE-1517B654224E}"/>
-              </a:ext>
-            </a:extLst>
-          </p:cNvPr>
-          <p:cNvSpPr/>
-          <p:nvPr/>
-        </p:nvSpPr>
-        <p:spPr>
-          <a:xfrm>
-            <a:off x="4879835" y="2751791"/>
-            <a:ext cx="236048" cy="173380"/>
-          </a:xfrm>
-          <a:prstGeom prst="flowChartDecision">
-            <a:avLst/>
-          </a:prstGeom>
-          <a:solidFill>
-            <a:srgbClr val="7030A0"/>
-          </a:solidFill>
-          <a:ln w="19050">
-            <a:solidFill>
-              <a:srgbClr val="7030A0"/>
-            </a:solidFill>
-          </a:ln>
-          <a:effectLst/>
-        </p:spPr>
-        <p:style>
-          <a:lnRef idx="1">
-            <a:schemeClr val="accent6"/>
-          </a:lnRef>
-          <a:fillRef idx="2">
-            <a:schemeClr val="accent6"/>
-          </a:fillRef>
-          <a:effectRef idx="1">
-            <a:schemeClr val="accent6"/>
-          </a:effectRef>
-          <a:fontRef idx="minor">
-            <a:schemeClr val="dk1"/>
-          </a:fontRef>
-        </p:style>
-        <p:txBody>
-          <a:bodyPr rtlCol="0" anchor="ctr"/>
-          <a:lstStyle/>
-          <a:p>
-            <a:pPr algn="ctr"/>
-            <a:endParaRPr lang="en-US" sz="1050"/>
-          </a:p>
-        </p:txBody>
-      </p:sp>
-      <p:cxnSp>
-        <p:nvCxnSpPr>
-          <p:cNvPr id="72" name="Elbow Connector 78">
-            <a:extLst>
-              <a:ext uri="{FF2B5EF4-FFF2-40B4-BE49-F238E27FC236}">
-                <a16:creationId xmlns:a16="http://schemas.microsoft.com/office/drawing/2014/main" id="{D5DFB8C5-B0B0-46C1-967B-4449112ABD6F}"/>
+                <a16:creationId xmlns:a16="http://schemas.microsoft.com/office/drawing/2014/main" id="{9A71329D-EFF5-456F-A247-19A1FCA316A7}"/>
               </a:ext>
             </a:extLst>
           </p:cNvPr>
           <p:cNvCxnSpPr>
             <a:cxnSpLocks/>
-            <a:stCxn id="55" idx="3"/>
-            <a:endCxn id="67" idx="2"/>
+            <a:endCxn id="176" idx="0"/>
           </p:cNvCxnSpPr>
           <p:nvPr/>
         </p:nvCxnSpPr>
         <p:spPr>
-          <a:xfrm rot="16200000" flipV="1">
-            <a:off x="5526404" y="3009488"/>
-            <a:ext cx="227001" cy="217"/>
-          </a:xfrm>
-          <a:prstGeom prst="bentConnector3">
-            <a:avLst>
-              <a:gd name="adj1" fmla="val 50000"/>
-            </a:avLst>
+          <a:xfrm>
+            <a:off x="4856434" y="4184834"/>
+            <a:ext cx="708923" cy="362209"/>
+          </a:xfrm>
+          <a:prstGeom prst="bentConnector2">
+            <a:avLst/>
           </a:prstGeom>
           <a:ln w="19050">
             <a:solidFill>
@@ -4806,6 +4535,1496 @@
           </a:fontRef>
         </p:style>
       </p:cxnSp>
+      <p:sp>
+        <p:nvSpPr>
+          <p:cNvPr id="173" name="Rectangle 8">
+            <a:extLst>
+              <a:ext uri="{FF2B5EF4-FFF2-40B4-BE49-F238E27FC236}">
+                <a16:creationId xmlns:a16="http://schemas.microsoft.com/office/drawing/2014/main" id="{3A863715-C534-432F-B0C8-D0921542E0FA}"/>
+              </a:ext>
+            </a:extLst>
+          </p:cNvPr>
+          <p:cNvSpPr/>
+          <p:nvPr/>
+        </p:nvSpPr>
+        <p:spPr>
+          <a:xfrm>
+            <a:off x="3934377" y="4553607"/>
+            <a:ext cx="567685" cy="285783"/>
+          </a:xfrm>
+          <a:prstGeom prst="rect">
+            <a:avLst/>
+          </a:prstGeom>
+          <a:ln w="19050">
+            <a:solidFill>
+              <a:srgbClr val="7030A0"/>
+            </a:solidFill>
+          </a:ln>
+          <a:effectLst/>
+        </p:spPr>
+        <p:style>
+          <a:lnRef idx="1">
+            <a:schemeClr val="accent4"/>
+          </a:lnRef>
+          <a:fillRef idx="2">
+            <a:schemeClr val="accent4"/>
+          </a:fillRef>
+          <a:effectRef idx="1">
+            <a:schemeClr val="accent4"/>
+          </a:effectRef>
+          <a:fontRef idx="minor">
+            <a:schemeClr val="dk1"/>
+          </a:fontRef>
+        </p:style>
+        <p:txBody>
+          <a:bodyPr rtlCol="0" anchor="ctr"/>
+          <a:lstStyle/>
+          <a:p>
+            <a:pPr algn="ctr"/>
+            <a:r>
+              <a:rPr lang="en-US" sz="1050" dirty="0">
+                <a:solidFill>
+                  <a:srgbClr val="7030A0"/>
+                </a:solidFill>
+              </a:rPr>
+              <a:t>Name</a:t>
+            </a:r>
+            <a:endParaRPr lang="en-SG" sz="1050" dirty="0">
+              <a:solidFill>
+                <a:srgbClr val="7030A0"/>
+              </a:solidFill>
+            </a:endParaRPr>
+          </a:p>
+        </p:txBody>
+      </p:sp>
+      <p:sp>
+        <p:nvSpPr>
+          <p:cNvPr id="175" name="Rectangle 8">
+            <a:extLst>
+              <a:ext uri="{FF2B5EF4-FFF2-40B4-BE49-F238E27FC236}">
+                <a16:creationId xmlns:a16="http://schemas.microsoft.com/office/drawing/2014/main" id="{48EC3FF3-2FC1-40D7-AF70-1BC191ACF169}"/>
+              </a:ext>
+            </a:extLst>
+          </p:cNvPr>
+          <p:cNvSpPr/>
+          <p:nvPr/>
+        </p:nvSpPr>
+        <p:spPr>
+          <a:xfrm>
+            <a:off x="4578942" y="4547044"/>
+            <a:ext cx="567685" cy="285783"/>
+          </a:xfrm>
+          <a:prstGeom prst="rect">
+            <a:avLst/>
+          </a:prstGeom>
+          <a:ln w="19050">
+            <a:solidFill>
+              <a:srgbClr val="7030A0"/>
+            </a:solidFill>
+          </a:ln>
+          <a:effectLst/>
+        </p:spPr>
+        <p:style>
+          <a:lnRef idx="1">
+            <a:schemeClr val="accent4"/>
+          </a:lnRef>
+          <a:fillRef idx="2">
+            <a:schemeClr val="accent4"/>
+          </a:fillRef>
+          <a:effectRef idx="1">
+            <a:schemeClr val="accent4"/>
+          </a:effectRef>
+          <a:fontRef idx="minor">
+            <a:schemeClr val="dk1"/>
+          </a:fontRef>
+        </p:style>
+        <p:txBody>
+          <a:bodyPr rtlCol="0" anchor="ctr"/>
+          <a:lstStyle/>
+          <a:p>
+            <a:pPr algn="ctr"/>
+            <a:r>
+              <a:rPr lang="en-US" sz="1050" dirty="0">
+                <a:solidFill>
+                  <a:srgbClr val="7030A0"/>
+                </a:solidFill>
+              </a:rPr>
+              <a:t>Phone</a:t>
+            </a:r>
+            <a:endParaRPr lang="en-SG" sz="1050" dirty="0">
+              <a:solidFill>
+                <a:srgbClr val="7030A0"/>
+              </a:solidFill>
+            </a:endParaRPr>
+          </a:p>
+        </p:txBody>
+      </p:sp>
+      <p:sp>
+        <p:nvSpPr>
+          <p:cNvPr id="176" name="Rectangle 8">
+            <a:extLst>
+              <a:ext uri="{FF2B5EF4-FFF2-40B4-BE49-F238E27FC236}">
+                <a16:creationId xmlns:a16="http://schemas.microsoft.com/office/drawing/2014/main" id="{182B70E6-B4EB-4A52-BCCC-EF9AF695BCDA}"/>
+              </a:ext>
+            </a:extLst>
+          </p:cNvPr>
+          <p:cNvSpPr/>
+          <p:nvPr/>
+        </p:nvSpPr>
+        <p:spPr>
+          <a:xfrm>
+            <a:off x="5281514" y="4547043"/>
+            <a:ext cx="567685" cy="285783"/>
+          </a:xfrm>
+          <a:prstGeom prst="rect">
+            <a:avLst/>
+          </a:prstGeom>
+          <a:ln w="19050">
+            <a:solidFill>
+              <a:srgbClr val="7030A0"/>
+            </a:solidFill>
+          </a:ln>
+          <a:effectLst/>
+        </p:spPr>
+        <p:style>
+          <a:lnRef idx="1">
+            <a:schemeClr val="accent4"/>
+          </a:lnRef>
+          <a:fillRef idx="2">
+            <a:schemeClr val="accent4"/>
+          </a:fillRef>
+          <a:effectRef idx="1">
+            <a:schemeClr val="accent4"/>
+          </a:effectRef>
+          <a:fontRef idx="minor">
+            <a:schemeClr val="dk1"/>
+          </a:fontRef>
+        </p:style>
+        <p:txBody>
+          <a:bodyPr rtlCol="0" anchor="ctr"/>
+          <a:lstStyle/>
+          <a:p>
+            <a:pPr algn="ctr"/>
+            <a:r>
+              <a:rPr lang="en-SG" sz="1050" dirty="0">
+                <a:solidFill>
+                  <a:srgbClr val="7030A0"/>
+                </a:solidFill>
+              </a:rPr>
+              <a:t>Email</a:t>
+            </a:r>
+          </a:p>
+        </p:txBody>
+      </p:sp>
+      <p:sp>
+        <p:nvSpPr>
+          <p:cNvPr id="184" name="Rectangle 8">
+            <a:extLst>
+              <a:ext uri="{FF2B5EF4-FFF2-40B4-BE49-F238E27FC236}">
+                <a16:creationId xmlns:a16="http://schemas.microsoft.com/office/drawing/2014/main" id="{9B190434-497A-4C7B-ADC3-9D67E3C37CEA}"/>
+              </a:ext>
+            </a:extLst>
+          </p:cNvPr>
+          <p:cNvSpPr/>
+          <p:nvPr/>
+        </p:nvSpPr>
+        <p:spPr>
+          <a:xfrm>
+            <a:off x="5849199" y="3827185"/>
+            <a:ext cx="684690" cy="285783"/>
+          </a:xfrm>
+          <a:prstGeom prst="rect">
+            <a:avLst/>
+          </a:prstGeom>
+          <a:ln w="19050">
+            <a:solidFill>
+              <a:srgbClr val="7030A0"/>
+            </a:solidFill>
+          </a:ln>
+          <a:effectLst/>
+        </p:spPr>
+        <p:style>
+          <a:lnRef idx="1">
+            <a:schemeClr val="accent4"/>
+          </a:lnRef>
+          <a:fillRef idx="2">
+            <a:schemeClr val="accent4"/>
+          </a:fillRef>
+          <a:effectRef idx="1">
+            <a:schemeClr val="accent4"/>
+          </a:effectRef>
+          <a:fontRef idx="minor">
+            <a:schemeClr val="dk1"/>
+          </a:fontRef>
+        </p:style>
+        <p:txBody>
+          <a:bodyPr rtlCol="0" anchor="ctr"/>
+          <a:lstStyle/>
+          <a:p>
+            <a:pPr algn="ctr"/>
+            <a:r>
+              <a:rPr lang="en-US" sz="1050" dirty="0">
+                <a:solidFill>
+                  <a:srgbClr val="7030A0"/>
+                </a:solidFill>
+              </a:rPr>
+              <a:t>Staff</a:t>
+            </a:r>
+            <a:endParaRPr lang="en-SG" sz="1050" dirty="0">
+              <a:solidFill>
+                <a:srgbClr val="7030A0"/>
+              </a:solidFill>
+            </a:endParaRPr>
+          </a:p>
+        </p:txBody>
+      </p:sp>
+      <p:sp>
+        <p:nvSpPr>
+          <p:cNvPr id="185" name="Rectangle 8">
+            <a:extLst>
+              <a:ext uri="{FF2B5EF4-FFF2-40B4-BE49-F238E27FC236}">
+                <a16:creationId xmlns:a16="http://schemas.microsoft.com/office/drawing/2014/main" id="{0D869D1E-535B-4C9D-A25F-681475E728C4}"/>
+              </a:ext>
+            </a:extLst>
+          </p:cNvPr>
+          <p:cNvSpPr/>
+          <p:nvPr/>
+        </p:nvSpPr>
+        <p:spPr>
+          <a:xfrm>
+            <a:off x="5849200" y="2992320"/>
+            <a:ext cx="684690" cy="285783"/>
+          </a:xfrm>
+          <a:prstGeom prst="rect">
+            <a:avLst/>
+          </a:prstGeom>
+          <a:ln w="19050">
+            <a:solidFill>
+              <a:srgbClr val="7030A0"/>
+            </a:solidFill>
+          </a:ln>
+          <a:effectLst/>
+        </p:spPr>
+        <p:style>
+          <a:lnRef idx="1">
+            <a:schemeClr val="accent4"/>
+          </a:lnRef>
+          <a:fillRef idx="2">
+            <a:schemeClr val="accent4"/>
+          </a:fillRef>
+          <a:effectRef idx="1">
+            <a:schemeClr val="accent4"/>
+          </a:effectRef>
+          <a:fontRef idx="minor">
+            <a:schemeClr val="dk1"/>
+          </a:fontRef>
+        </p:style>
+        <p:txBody>
+          <a:bodyPr rtlCol="0" anchor="ctr"/>
+          <a:lstStyle/>
+          <a:p>
+            <a:pPr algn="ctr"/>
+            <a:r>
+              <a:rPr lang="en-US" sz="1050" dirty="0">
+                <a:solidFill>
+                  <a:srgbClr val="7030A0"/>
+                </a:solidFill>
+              </a:rPr>
+              <a:t>Member</a:t>
+            </a:r>
+            <a:endParaRPr lang="en-SG" sz="1050" dirty="0">
+              <a:solidFill>
+                <a:srgbClr val="7030A0"/>
+              </a:solidFill>
+            </a:endParaRPr>
+          </a:p>
+        </p:txBody>
+      </p:sp>
+      <p:sp>
+        <p:nvSpPr>
+          <p:cNvPr id="194" name="Flowchart: Decision 96">
+            <a:extLst>
+              <a:ext uri="{FF2B5EF4-FFF2-40B4-BE49-F238E27FC236}">
+                <a16:creationId xmlns:a16="http://schemas.microsoft.com/office/drawing/2014/main" id="{B1A8D4C4-53A5-45C7-B6E8-7D0CDE793E55}"/>
+              </a:ext>
+            </a:extLst>
+          </p:cNvPr>
+          <p:cNvSpPr/>
+          <p:nvPr/>
+        </p:nvSpPr>
+        <p:spPr>
+          <a:xfrm>
+            <a:off x="6533889" y="3048521"/>
+            <a:ext cx="236048" cy="173380"/>
+          </a:xfrm>
+          <a:prstGeom prst="flowChartDecision">
+            <a:avLst/>
+          </a:prstGeom>
+          <a:solidFill>
+            <a:srgbClr val="7030A0"/>
+          </a:solidFill>
+          <a:ln w="19050">
+            <a:solidFill>
+              <a:srgbClr val="7030A0"/>
+            </a:solidFill>
+          </a:ln>
+          <a:effectLst/>
+        </p:spPr>
+        <p:style>
+          <a:lnRef idx="1">
+            <a:schemeClr val="accent6"/>
+          </a:lnRef>
+          <a:fillRef idx="2">
+            <a:schemeClr val="accent6"/>
+          </a:fillRef>
+          <a:effectRef idx="1">
+            <a:schemeClr val="accent6"/>
+          </a:effectRef>
+          <a:fontRef idx="minor">
+            <a:schemeClr val="dk1"/>
+          </a:fontRef>
+        </p:style>
+        <p:txBody>
+          <a:bodyPr rtlCol="0" anchor="ctr"/>
+          <a:lstStyle/>
+          <a:p>
+            <a:pPr algn="ctr"/>
+            <a:endParaRPr lang="en-US" sz="1050" dirty="0"/>
+          </a:p>
+        </p:txBody>
+      </p:sp>
+      <p:cxnSp>
+        <p:nvCxnSpPr>
+          <p:cNvPr id="197" name="Elbow Connector 63">
+            <a:extLst>
+              <a:ext uri="{FF2B5EF4-FFF2-40B4-BE49-F238E27FC236}">
+                <a16:creationId xmlns:a16="http://schemas.microsoft.com/office/drawing/2014/main" id="{BB4AB1D2-834A-41F7-A09B-0982600ADEDA}"/>
+              </a:ext>
+            </a:extLst>
+          </p:cNvPr>
+          <p:cNvCxnSpPr>
+            <a:cxnSpLocks/>
+          </p:cNvCxnSpPr>
+          <p:nvPr/>
+        </p:nvCxnSpPr>
+        <p:spPr>
+          <a:xfrm flipV="1">
+            <a:off x="6769937" y="3134048"/>
+            <a:ext cx="403987" cy="1163"/>
+          </a:xfrm>
+          <a:prstGeom prst="bentConnector3">
+            <a:avLst/>
+          </a:prstGeom>
+          <a:ln w="19050">
+            <a:solidFill>
+              <a:srgbClr val="7030A0"/>
+            </a:solidFill>
+            <a:headEnd type="none" w="med" len="med"/>
+            <a:tailEnd type="arrow" w="med" len="med"/>
+          </a:ln>
+          <a:effectLst/>
+        </p:spPr>
+        <p:style>
+          <a:lnRef idx="1">
+            <a:schemeClr val="accent2"/>
+          </a:lnRef>
+          <a:fillRef idx="2">
+            <a:schemeClr val="accent2"/>
+          </a:fillRef>
+          <a:effectRef idx="1">
+            <a:schemeClr val="accent2"/>
+          </a:effectRef>
+          <a:fontRef idx="minor">
+            <a:schemeClr val="dk1"/>
+          </a:fontRef>
+        </p:style>
+      </p:cxnSp>
+      <p:sp>
+        <p:nvSpPr>
+          <p:cNvPr id="199" name="Flowchart: Decision 96">
+            <a:extLst>
+              <a:ext uri="{FF2B5EF4-FFF2-40B4-BE49-F238E27FC236}">
+                <a16:creationId xmlns:a16="http://schemas.microsoft.com/office/drawing/2014/main" id="{EBE5D78B-A56C-44AF-9BCA-69AABA4EC6FD}"/>
+              </a:ext>
+            </a:extLst>
+          </p:cNvPr>
+          <p:cNvSpPr/>
+          <p:nvPr/>
+        </p:nvSpPr>
+        <p:spPr>
+          <a:xfrm>
+            <a:off x="6533889" y="3883387"/>
+            <a:ext cx="236048" cy="173380"/>
+          </a:xfrm>
+          <a:prstGeom prst="flowChartDecision">
+            <a:avLst/>
+          </a:prstGeom>
+          <a:solidFill>
+            <a:srgbClr val="7030A0"/>
+          </a:solidFill>
+          <a:ln w="19050">
+            <a:solidFill>
+              <a:srgbClr val="7030A0"/>
+            </a:solidFill>
+          </a:ln>
+          <a:effectLst/>
+        </p:spPr>
+        <p:style>
+          <a:lnRef idx="1">
+            <a:schemeClr val="accent6"/>
+          </a:lnRef>
+          <a:fillRef idx="2">
+            <a:schemeClr val="accent6"/>
+          </a:fillRef>
+          <a:effectRef idx="1">
+            <a:schemeClr val="accent6"/>
+          </a:effectRef>
+          <a:fontRef idx="minor">
+            <a:schemeClr val="dk1"/>
+          </a:fontRef>
+        </p:style>
+        <p:txBody>
+          <a:bodyPr rtlCol="0" anchor="ctr"/>
+          <a:lstStyle/>
+          <a:p>
+            <a:pPr algn="ctr"/>
+            <a:endParaRPr lang="en-US" sz="1050" dirty="0"/>
+          </a:p>
+        </p:txBody>
+      </p:sp>
+      <p:cxnSp>
+        <p:nvCxnSpPr>
+          <p:cNvPr id="200" name="Elbow Connector 63">
+            <a:extLst>
+              <a:ext uri="{FF2B5EF4-FFF2-40B4-BE49-F238E27FC236}">
+                <a16:creationId xmlns:a16="http://schemas.microsoft.com/office/drawing/2014/main" id="{9B8C2ED9-C554-47A2-B0BC-E233CED05D49}"/>
+              </a:ext>
+            </a:extLst>
+          </p:cNvPr>
+          <p:cNvCxnSpPr>
+            <a:cxnSpLocks/>
+          </p:cNvCxnSpPr>
+          <p:nvPr/>
+        </p:nvCxnSpPr>
+        <p:spPr>
+          <a:xfrm flipV="1">
+            <a:off x="6769937" y="3968914"/>
+            <a:ext cx="403987" cy="1163"/>
+          </a:xfrm>
+          <a:prstGeom prst="bentConnector3">
+            <a:avLst/>
+          </a:prstGeom>
+          <a:ln w="19050">
+            <a:solidFill>
+              <a:srgbClr val="7030A0"/>
+            </a:solidFill>
+            <a:headEnd type="none" w="med" len="med"/>
+            <a:tailEnd type="arrow" w="med" len="med"/>
+          </a:ln>
+          <a:effectLst/>
+        </p:spPr>
+        <p:style>
+          <a:lnRef idx="1">
+            <a:schemeClr val="accent2"/>
+          </a:lnRef>
+          <a:fillRef idx="2">
+            <a:schemeClr val="accent2"/>
+          </a:fillRef>
+          <a:effectRef idx="1">
+            <a:schemeClr val="accent2"/>
+          </a:effectRef>
+          <a:fontRef idx="minor">
+            <a:schemeClr val="dk1"/>
+          </a:fontRef>
+        </p:style>
+      </p:cxnSp>
+      <p:sp>
+        <p:nvSpPr>
+          <p:cNvPr id="207" name="Rectangle 8">
+            <a:extLst>
+              <a:ext uri="{FF2B5EF4-FFF2-40B4-BE49-F238E27FC236}">
+                <a16:creationId xmlns:a16="http://schemas.microsoft.com/office/drawing/2014/main" id="{35AA6BA3-EEA6-4AA2-8A28-0EBFB1DF0DEA}"/>
+              </a:ext>
+            </a:extLst>
+          </p:cNvPr>
+          <p:cNvSpPr/>
+          <p:nvPr/>
+        </p:nvSpPr>
+        <p:spPr>
+          <a:xfrm>
+            <a:off x="7173924" y="3817242"/>
+            <a:ext cx="903276" cy="285783"/>
+          </a:xfrm>
+          <a:prstGeom prst="rect">
+            <a:avLst/>
+          </a:prstGeom>
+          <a:ln w="19050">
+            <a:solidFill>
+              <a:srgbClr val="7030A0"/>
+            </a:solidFill>
+          </a:ln>
+          <a:effectLst/>
+        </p:spPr>
+        <p:style>
+          <a:lnRef idx="1">
+            <a:schemeClr val="accent4"/>
+          </a:lnRef>
+          <a:fillRef idx="2">
+            <a:schemeClr val="accent4"/>
+          </a:fillRef>
+          <a:effectRef idx="1">
+            <a:schemeClr val="accent4"/>
+          </a:effectRef>
+          <a:fontRef idx="minor">
+            <a:schemeClr val="dk1"/>
+          </a:fontRef>
+        </p:style>
+        <p:txBody>
+          <a:bodyPr rtlCol="0" anchor="ctr"/>
+          <a:lstStyle/>
+          <a:p>
+            <a:pPr algn="ctr"/>
+            <a:r>
+              <a:rPr lang="en-US" sz="1050" dirty="0">
+                <a:solidFill>
+                  <a:srgbClr val="7030A0"/>
+                </a:solidFill>
+              </a:rPr>
+              <a:t>Appointment</a:t>
+            </a:r>
+            <a:endParaRPr lang="en-SG" sz="1050" dirty="0">
+              <a:solidFill>
+                <a:srgbClr val="7030A0"/>
+              </a:solidFill>
+            </a:endParaRPr>
+          </a:p>
+        </p:txBody>
+      </p:sp>
+      <p:sp>
+        <p:nvSpPr>
+          <p:cNvPr id="208" name="Rectangle 8">
+            <a:extLst>
+              <a:ext uri="{FF2B5EF4-FFF2-40B4-BE49-F238E27FC236}">
+                <a16:creationId xmlns:a16="http://schemas.microsoft.com/office/drawing/2014/main" id="{D1181B15-225F-4E6B-99E2-1D7D53F6C252}"/>
+              </a:ext>
+            </a:extLst>
+          </p:cNvPr>
+          <p:cNvSpPr/>
+          <p:nvPr/>
+        </p:nvSpPr>
+        <p:spPr>
+          <a:xfrm>
+            <a:off x="7154784" y="2991156"/>
+            <a:ext cx="922415" cy="285783"/>
+          </a:xfrm>
+          <a:prstGeom prst="rect">
+            <a:avLst/>
+          </a:prstGeom>
+          <a:ln w="19050">
+            <a:solidFill>
+              <a:srgbClr val="7030A0"/>
+            </a:solidFill>
+          </a:ln>
+          <a:effectLst/>
+        </p:spPr>
+        <p:style>
+          <a:lnRef idx="1">
+            <a:schemeClr val="accent4"/>
+          </a:lnRef>
+          <a:fillRef idx="2">
+            <a:schemeClr val="accent4"/>
+          </a:fillRef>
+          <a:effectRef idx="1">
+            <a:schemeClr val="accent4"/>
+          </a:effectRef>
+          <a:fontRef idx="minor">
+            <a:schemeClr val="dk1"/>
+          </a:fontRef>
+        </p:style>
+        <p:txBody>
+          <a:bodyPr rtlCol="0" anchor="ctr"/>
+          <a:lstStyle/>
+          <a:p>
+            <a:pPr algn="ctr"/>
+            <a:r>
+              <a:rPr lang="en-SG" sz="1050" dirty="0" err="1">
+                <a:solidFill>
+                  <a:srgbClr val="7030A0"/>
+                </a:solidFill>
+              </a:rPr>
+              <a:t>LoyaltyPoints</a:t>
+            </a:r>
+            <a:endParaRPr lang="en-SG" sz="1050" dirty="0">
+              <a:solidFill>
+                <a:srgbClr val="7030A0"/>
+              </a:solidFill>
+            </a:endParaRPr>
+          </a:p>
+        </p:txBody>
+      </p:sp>
+      <p:cxnSp>
+        <p:nvCxnSpPr>
+          <p:cNvPr id="211" name="Elbow Connector 63">
+            <a:extLst>
+              <a:ext uri="{FF2B5EF4-FFF2-40B4-BE49-F238E27FC236}">
+                <a16:creationId xmlns:a16="http://schemas.microsoft.com/office/drawing/2014/main" id="{AAC37A7D-9487-4ADD-8016-980101AE4159}"/>
+              </a:ext>
+            </a:extLst>
+          </p:cNvPr>
+          <p:cNvCxnSpPr>
+            <a:cxnSpLocks/>
+            <a:endCxn id="185" idx="0"/>
+          </p:cNvCxnSpPr>
+          <p:nvPr/>
+        </p:nvCxnSpPr>
+        <p:spPr>
+          <a:xfrm rot="16200000" flipH="1">
+            <a:off x="5133813" y="1934587"/>
+            <a:ext cx="334621" cy="1780844"/>
+          </a:xfrm>
+          <a:prstGeom prst="bentConnector3">
+            <a:avLst>
+              <a:gd name="adj1" fmla="val -1949"/>
+            </a:avLst>
+          </a:prstGeom>
+          <a:ln w="19050">
+            <a:solidFill>
+              <a:srgbClr val="7030A0"/>
+            </a:solidFill>
+            <a:headEnd type="none" w="med" len="med"/>
+            <a:tailEnd type="arrow" w="med" len="med"/>
+          </a:ln>
+          <a:effectLst/>
+        </p:spPr>
+        <p:style>
+          <a:lnRef idx="1">
+            <a:schemeClr val="accent2"/>
+          </a:lnRef>
+          <a:fillRef idx="2">
+            <a:schemeClr val="accent2"/>
+          </a:fillRef>
+          <a:effectRef idx="1">
+            <a:schemeClr val="accent2"/>
+          </a:effectRef>
+          <a:fontRef idx="minor">
+            <a:schemeClr val="dk1"/>
+          </a:fontRef>
+        </p:style>
+      </p:cxnSp>
+      <p:sp>
+        <p:nvSpPr>
+          <p:cNvPr id="213" name="Isosceles Triangle 102">
+            <a:extLst>
+              <a:ext uri="{FF2B5EF4-FFF2-40B4-BE49-F238E27FC236}">
+                <a16:creationId xmlns:a16="http://schemas.microsoft.com/office/drawing/2014/main" id="{A6ABF6AE-9D77-4643-B26C-415FCB453DCF}"/>
+              </a:ext>
+            </a:extLst>
+          </p:cNvPr>
+          <p:cNvSpPr/>
+          <p:nvPr/>
+        </p:nvSpPr>
+        <p:spPr>
+          <a:xfrm rot="16200000">
+            <a:off x="4939548" y="3504923"/>
+            <a:ext cx="271014" cy="187417"/>
+          </a:xfrm>
+          <a:prstGeom prst="triangle">
+            <a:avLst>
+              <a:gd name="adj" fmla="val 44517"/>
+            </a:avLst>
+          </a:prstGeom>
+          <a:solidFill>
+            <a:schemeClr val="accent4">
+              <a:lumMod val="40000"/>
+              <a:lumOff val="60000"/>
+            </a:schemeClr>
+          </a:solidFill>
+          <a:ln w="19050">
+            <a:solidFill>
+              <a:srgbClr val="7030A0"/>
+            </a:solidFill>
+          </a:ln>
+          <a:effectLst/>
+        </p:spPr>
+        <p:style>
+          <a:lnRef idx="1">
+            <a:schemeClr val="accent6"/>
+          </a:lnRef>
+          <a:fillRef idx="2">
+            <a:schemeClr val="accent6"/>
+          </a:fillRef>
+          <a:effectRef idx="1">
+            <a:schemeClr val="accent6"/>
+          </a:effectRef>
+          <a:fontRef idx="minor">
+            <a:schemeClr val="dk1"/>
+          </a:fontRef>
+        </p:style>
+        <p:txBody>
+          <a:bodyPr rtlCol="0" anchor="ctr"/>
+          <a:lstStyle/>
+          <a:p>
+            <a:pPr algn="ctr"/>
+            <a:endParaRPr lang="en-SG" sz="1050"/>
+          </a:p>
+        </p:txBody>
+      </p:sp>
+      <p:cxnSp>
+        <p:nvCxnSpPr>
+          <p:cNvPr id="228" name="Elbow Connector 29">
+            <a:extLst>
+              <a:ext uri="{FF2B5EF4-FFF2-40B4-BE49-F238E27FC236}">
+                <a16:creationId xmlns:a16="http://schemas.microsoft.com/office/drawing/2014/main" id="{6A397491-401B-439E-894A-FAEAE0250DE0}"/>
+              </a:ext>
+            </a:extLst>
+          </p:cNvPr>
+          <p:cNvCxnSpPr>
+            <a:cxnSpLocks/>
+          </p:cNvCxnSpPr>
+          <p:nvPr/>
+        </p:nvCxnSpPr>
+        <p:spPr>
+          <a:xfrm>
+            <a:off x="6203430" y="2211224"/>
+            <a:ext cx="883170" cy="12700"/>
+          </a:xfrm>
+          <a:prstGeom prst="bentConnector3">
+            <a:avLst>
+              <a:gd name="adj1" fmla="val -1768"/>
+            </a:avLst>
+          </a:prstGeom>
+          <a:ln w="19050">
+            <a:solidFill>
+              <a:srgbClr val="7030A0"/>
+            </a:solidFill>
+            <a:headEnd type="none" w="med" len="med"/>
+            <a:tailEnd type="arrow" w="med" len="med"/>
+          </a:ln>
+          <a:effectLst/>
+        </p:spPr>
+        <p:style>
+          <a:lnRef idx="1">
+            <a:schemeClr val="accent2"/>
+          </a:lnRef>
+          <a:fillRef idx="2">
+            <a:schemeClr val="accent2"/>
+          </a:fillRef>
+          <a:effectRef idx="1">
+            <a:schemeClr val="accent2"/>
+          </a:effectRef>
+          <a:fontRef idx="minor">
+            <a:schemeClr val="dk1"/>
+          </a:fontRef>
+        </p:style>
+      </p:cxnSp>
+      <p:cxnSp>
+        <p:nvCxnSpPr>
+          <p:cNvPr id="231" name="Elbow Connector 63">
+            <a:extLst>
+              <a:ext uri="{FF2B5EF4-FFF2-40B4-BE49-F238E27FC236}">
+                <a16:creationId xmlns:a16="http://schemas.microsoft.com/office/drawing/2014/main" id="{FFAF378C-A9E2-4D97-8ECE-8BBF3780DEB3}"/>
+              </a:ext>
+            </a:extLst>
+          </p:cNvPr>
+          <p:cNvCxnSpPr>
+            <a:cxnSpLocks/>
+          </p:cNvCxnSpPr>
+          <p:nvPr/>
+        </p:nvCxnSpPr>
+        <p:spPr>
+          <a:xfrm flipV="1">
+            <a:off x="5016306" y="1771128"/>
+            <a:ext cx="2070294" cy="443691"/>
+          </a:xfrm>
+          <a:prstGeom prst="bentConnector3">
+            <a:avLst>
+              <a:gd name="adj1" fmla="val 56993"/>
+            </a:avLst>
+          </a:prstGeom>
+          <a:ln w="19050">
+            <a:solidFill>
+              <a:srgbClr val="7030A0"/>
+            </a:solidFill>
+            <a:headEnd type="none" w="med" len="med"/>
+            <a:tailEnd type="arrow" w="med" len="med"/>
+          </a:ln>
+          <a:effectLst/>
+        </p:spPr>
+        <p:style>
+          <a:lnRef idx="1">
+            <a:schemeClr val="accent2"/>
+          </a:lnRef>
+          <a:fillRef idx="2">
+            <a:schemeClr val="accent2"/>
+          </a:fillRef>
+          <a:effectRef idx="1">
+            <a:schemeClr val="accent2"/>
+          </a:effectRef>
+          <a:fontRef idx="minor">
+            <a:schemeClr val="dk1"/>
+          </a:fontRef>
+        </p:style>
+      </p:cxnSp>
+      <p:sp>
+        <p:nvSpPr>
+          <p:cNvPr id="237" name="Rectangle 8">
+            <a:extLst>
+              <a:ext uri="{FF2B5EF4-FFF2-40B4-BE49-F238E27FC236}">
+                <a16:creationId xmlns:a16="http://schemas.microsoft.com/office/drawing/2014/main" id="{640A58C2-42BF-43D1-AD80-13D7B72FCCEE}"/>
+              </a:ext>
+            </a:extLst>
+          </p:cNvPr>
+          <p:cNvSpPr/>
+          <p:nvPr/>
+        </p:nvSpPr>
+        <p:spPr>
+          <a:xfrm>
+            <a:off x="7086598" y="1628236"/>
+            <a:ext cx="1150621" cy="285783"/>
+          </a:xfrm>
+          <a:prstGeom prst="rect">
+            <a:avLst/>
+          </a:prstGeom>
+          <a:ln w="19050">
+            <a:solidFill>
+              <a:srgbClr val="7030A0"/>
+            </a:solidFill>
+          </a:ln>
+          <a:effectLst/>
+        </p:spPr>
+        <p:style>
+          <a:lnRef idx="1">
+            <a:schemeClr val="accent4"/>
+          </a:lnRef>
+          <a:fillRef idx="2">
+            <a:schemeClr val="accent4"/>
+          </a:fillRef>
+          <a:effectRef idx="1">
+            <a:schemeClr val="accent4"/>
+          </a:effectRef>
+          <a:fontRef idx="minor">
+            <a:schemeClr val="dk1"/>
+          </a:fontRef>
+        </p:style>
+        <p:txBody>
+          <a:bodyPr rtlCol="0" anchor="ctr"/>
+          <a:lstStyle/>
+          <a:p>
+            <a:pPr algn="ctr"/>
+            <a:r>
+              <a:rPr lang="en-US" sz="1050" dirty="0" err="1">
+                <a:solidFill>
+                  <a:srgbClr val="7030A0"/>
+                </a:solidFill>
+              </a:rPr>
+              <a:t>BookingSize</a:t>
+            </a:r>
+            <a:endParaRPr lang="en-SG" sz="1050" dirty="0">
+              <a:solidFill>
+                <a:srgbClr val="7030A0"/>
+              </a:solidFill>
+            </a:endParaRPr>
+          </a:p>
+        </p:txBody>
+      </p:sp>
+      <p:sp>
+        <p:nvSpPr>
+          <p:cNvPr id="238" name="Rectangle 8">
+            <a:extLst>
+              <a:ext uri="{FF2B5EF4-FFF2-40B4-BE49-F238E27FC236}">
+                <a16:creationId xmlns:a16="http://schemas.microsoft.com/office/drawing/2014/main" id="{51B7BFF0-D704-49B1-A8B5-7306CB20EE66}"/>
+              </a:ext>
+            </a:extLst>
+          </p:cNvPr>
+          <p:cNvSpPr/>
+          <p:nvPr/>
+        </p:nvSpPr>
+        <p:spPr>
+          <a:xfrm>
+            <a:off x="7098484" y="2108400"/>
+            <a:ext cx="1131115" cy="285783"/>
+          </a:xfrm>
+          <a:prstGeom prst="rect">
+            <a:avLst/>
+          </a:prstGeom>
+          <a:ln w="19050">
+            <a:solidFill>
+              <a:srgbClr val="7030A0"/>
+            </a:solidFill>
+          </a:ln>
+          <a:effectLst/>
+        </p:spPr>
+        <p:style>
+          <a:lnRef idx="1">
+            <a:schemeClr val="accent4"/>
+          </a:lnRef>
+          <a:fillRef idx="2">
+            <a:schemeClr val="accent4"/>
+          </a:fillRef>
+          <a:effectRef idx="1">
+            <a:schemeClr val="accent4"/>
+          </a:effectRef>
+          <a:fontRef idx="minor">
+            <a:schemeClr val="dk1"/>
+          </a:fontRef>
+        </p:style>
+        <p:txBody>
+          <a:bodyPr rtlCol="0" anchor="ctr"/>
+          <a:lstStyle/>
+          <a:p>
+            <a:pPr algn="ctr"/>
+            <a:r>
+              <a:rPr lang="en-SG" sz="1050" dirty="0" err="1">
+                <a:solidFill>
+                  <a:srgbClr val="7030A0"/>
+                </a:solidFill>
+              </a:rPr>
+              <a:t>BookingWindow</a:t>
+            </a:r>
+            <a:endParaRPr lang="en-SG" sz="1050" dirty="0">
+              <a:solidFill>
+                <a:srgbClr val="7030A0"/>
+              </a:solidFill>
+            </a:endParaRPr>
+          </a:p>
+        </p:txBody>
+      </p:sp>
+      <p:sp>
+        <p:nvSpPr>
+          <p:cNvPr id="239" name="Flowchart: Decision 96">
+            <a:extLst>
+              <a:ext uri="{FF2B5EF4-FFF2-40B4-BE49-F238E27FC236}">
+                <a16:creationId xmlns:a16="http://schemas.microsoft.com/office/drawing/2014/main" id="{ECEFED6F-B493-410F-8E06-ED20013C622B}"/>
+              </a:ext>
+            </a:extLst>
+          </p:cNvPr>
+          <p:cNvSpPr/>
+          <p:nvPr/>
+        </p:nvSpPr>
+        <p:spPr>
+          <a:xfrm>
+            <a:off x="4818061" y="5285038"/>
+            <a:ext cx="236048" cy="173380"/>
+          </a:xfrm>
+          <a:prstGeom prst="flowChartDecision">
+            <a:avLst/>
+          </a:prstGeom>
+          <a:solidFill>
+            <a:srgbClr val="7030A0"/>
+          </a:solidFill>
+          <a:ln w="19050">
+            <a:solidFill>
+              <a:srgbClr val="7030A0"/>
+            </a:solidFill>
+          </a:ln>
+          <a:effectLst/>
+        </p:spPr>
+        <p:style>
+          <a:lnRef idx="1">
+            <a:schemeClr val="accent6"/>
+          </a:lnRef>
+          <a:fillRef idx="2">
+            <a:schemeClr val="accent6"/>
+          </a:fillRef>
+          <a:effectRef idx="1">
+            <a:schemeClr val="accent6"/>
+          </a:effectRef>
+          <a:fontRef idx="minor">
+            <a:schemeClr val="dk1"/>
+          </a:fontRef>
+        </p:style>
+        <p:txBody>
+          <a:bodyPr rtlCol="0" anchor="ctr"/>
+          <a:lstStyle/>
+          <a:p>
+            <a:pPr algn="ctr"/>
+            <a:endParaRPr lang="en-US" sz="1050" dirty="0"/>
+          </a:p>
+        </p:txBody>
+      </p:sp>
+      <p:sp>
+        <p:nvSpPr>
+          <p:cNvPr id="240" name="Rectangle 8">
+            <a:extLst>
+              <a:ext uri="{FF2B5EF4-FFF2-40B4-BE49-F238E27FC236}">
+                <a16:creationId xmlns:a16="http://schemas.microsoft.com/office/drawing/2014/main" id="{54E241F7-ACD6-4EA6-9456-0DC595C65F7C}"/>
+              </a:ext>
+            </a:extLst>
+          </p:cNvPr>
+          <p:cNvSpPr/>
+          <p:nvPr/>
+        </p:nvSpPr>
+        <p:spPr>
+          <a:xfrm>
+            <a:off x="6258488" y="4901385"/>
+            <a:ext cx="1361511" cy="285783"/>
+          </a:xfrm>
+          <a:prstGeom prst="rect">
+            <a:avLst/>
+          </a:prstGeom>
+          <a:ln w="19050">
+            <a:solidFill>
+              <a:srgbClr val="7030A0"/>
+            </a:solidFill>
+          </a:ln>
+          <a:effectLst/>
+        </p:spPr>
+        <p:style>
+          <a:lnRef idx="1">
+            <a:schemeClr val="accent4"/>
+          </a:lnRef>
+          <a:fillRef idx="2">
+            <a:schemeClr val="accent4"/>
+          </a:fillRef>
+          <a:effectRef idx="1">
+            <a:schemeClr val="accent4"/>
+          </a:effectRef>
+          <a:fontRef idx="minor">
+            <a:schemeClr val="dk1"/>
+          </a:fontRef>
+        </p:style>
+        <p:txBody>
+          <a:bodyPr rtlCol="0" anchor="ctr"/>
+          <a:lstStyle/>
+          <a:p>
+            <a:pPr algn="ctr"/>
+            <a:r>
+              <a:rPr lang="en-US" sz="1050" dirty="0" err="1">
+                <a:solidFill>
+                  <a:srgbClr val="7030A0"/>
+                </a:solidFill>
+              </a:rPr>
+              <a:t>IngredientName</a:t>
+            </a:r>
+            <a:endParaRPr lang="en-SG" sz="1050" dirty="0">
+              <a:solidFill>
+                <a:srgbClr val="7030A0"/>
+              </a:solidFill>
+            </a:endParaRPr>
+          </a:p>
+        </p:txBody>
+      </p:sp>
+      <p:cxnSp>
+        <p:nvCxnSpPr>
+          <p:cNvPr id="241" name="Elbow Connector 78">
+            <a:extLst>
+              <a:ext uri="{FF2B5EF4-FFF2-40B4-BE49-F238E27FC236}">
+                <a16:creationId xmlns:a16="http://schemas.microsoft.com/office/drawing/2014/main" id="{4F13A372-252A-4E41-9FDE-E965FE2716D1}"/>
+              </a:ext>
+            </a:extLst>
+          </p:cNvPr>
+          <p:cNvCxnSpPr>
+            <a:cxnSpLocks/>
+          </p:cNvCxnSpPr>
+          <p:nvPr/>
+        </p:nvCxnSpPr>
+        <p:spPr>
+          <a:xfrm flipV="1">
+            <a:off x="5824087" y="5043969"/>
+            <a:ext cx="434402" cy="327760"/>
+          </a:xfrm>
+          <a:prstGeom prst="bentConnector3">
+            <a:avLst/>
+          </a:prstGeom>
+          <a:ln w="19050">
+            <a:solidFill>
+              <a:srgbClr val="7030A0"/>
+            </a:solidFill>
+            <a:headEnd type="none" w="med" len="med"/>
+            <a:tailEnd type="arrow" w="med" len="med"/>
+          </a:ln>
+          <a:effectLst/>
+        </p:spPr>
+        <p:style>
+          <a:lnRef idx="1">
+            <a:schemeClr val="accent2"/>
+          </a:lnRef>
+          <a:fillRef idx="2">
+            <a:schemeClr val="accent2"/>
+          </a:fillRef>
+          <a:effectRef idx="1">
+            <a:schemeClr val="accent2"/>
+          </a:effectRef>
+          <a:fontRef idx="minor">
+            <a:schemeClr val="dk1"/>
+          </a:fontRef>
+        </p:style>
+      </p:cxnSp>
+      <p:sp>
+        <p:nvSpPr>
+          <p:cNvPr id="242" name="Rectangle 8">
+            <a:extLst>
+              <a:ext uri="{FF2B5EF4-FFF2-40B4-BE49-F238E27FC236}">
+                <a16:creationId xmlns:a16="http://schemas.microsoft.com/office/drawing/2014/main" id="{D231D4B5-3648-47F3-A6EC-232B8BD62510}"/>
+              </a:ext>
+            </a:extLst>
+          </p:cNvPr>
+          <p:cNvSpPr/>
+          <p:nvPr/>
+        </p:nvSpPr>
+        <p:spPr>
+          <a:xfrm>
+            <a:off x="6258488" y="5224363"/>
+            <a:ext cx="1361511" cy="285783"/>
+          </a:xfrm>
+          <a:prstGeom prst="rect">
+            <a:avLst/>
+          </a:prstGeom>
+          <a:ln w="19050">
+            <a:solidFill>
+              <a:srgbClr val="7030A0"/>
+            </a:solidFill>
+          </a:ln>
+          <a:effectLst/>
+        </p:spPr>
+        <p:style>
+          <a:lnRef idx="1">
+            <a:schemeClr val="accent4"/>
+          </a:lnRef>
+          <a:fillRef idx="2">
+            <a:schemeClr val="accent4"/>
+          </a:fillRef>
+          <a:effectRef idx="1">
+            <a:schemeClr val="accent4"/>
+          </a:effectRef>
+          <a:fontRef idx="minor">
+            <a:schemeClr val="dk1"/>
+          </a:fontRef>
+        </p:style>
+        <p:txBody>
+          <a:bodyPr rtlCol="0" anchor="ctr"/>
+          <a:lstStyle/>
+          <a:p>
+            <a:pPr algn="ctr"/>
+            <a:r>
+              <a:rPr lang="en-US" sz="1050" dirty="0" err="1">
+                <a:solidFill>
+                  <a:srgbClr val="7030A0"/>
+                </a:solidFill>
+              </a:rPr>
+              <a:t>IngredientQuantity</a:t>
+            </a:r>
+            <a:endParaRPr lang="en-SG" sz="1050" dirty="0">
+              <a:solidFill>
+                <a:srgbClr val="7030A0"/>
+              </a:solidFill>
+            </a:endParaRPr>
+          </a:p>
+        </p:txBody>
+      </p:sp>
+      <p:cxnSp>
+        <p:nvCxnSpPr>
+          <p:cNvPr id="243" name="Elbow Connector 80">
+            <a:extLst>
+              <a:ext uri="{FF2B5EF4-FFF2-40B4-BE49-F238E27FC236}">
+                <a16:creationId xmlns:a16="http://schemas.microsoft.com/office/drawing/2014/main" id="{58D8D312-1AB2-460C-83E1-844164A0E905}"/>
+              </a:ext>
+            </a:extLst>
+          </p:cNvPr>
+          <p:cNvCxnSpPr>
+            <a:cxnSpLocks/>
+            <a:stCxn id="239" idx="3"/>
+            <a:endCxn id="242" idx="1"/>
+          </p:cNvCxnSpPr>
+          <p:nvPr/>
+        </p:nvCxnSpPr>
+        <p:spPr>
+          <a:xfrm flipV="1">
+            <a:off x="5054109" y="5367255"/>
+            <a:ext cx="1204379" cy="4473"/>
+          </a:xfrm>
+          <a:prstGeom prst="bentConnector3">
+            <a:avLst/>
+          </a:prstGeom>
+          <a:ln w="19050">
+            <a:solidFill>
+              <a:srgbClr val="7030A0"/>
+            </a:solidFill>
+            <a:headEnd type="none" w="med" len="med"/>
+            <a:tailEnd type="arrow" w="med" len="med"/>
+          </a:ln>
+          <a:effectLst/>
+        </p:spPr>
+        <p:style>
+          <a:lnRef idx="1">
+            <a:schemeClr val="accent2"/>
+          </a:lnRef>
+          <a:fillRef idx="2">
+            <a:schemeClr val="accent2"/>
+          </a:fillRef>
+          <a:effectRef idx="1">
+            <a:schemeClr val="accent2"/>
+          </a:effectRef>
+          <a:fontRef idx="minor">
+            <a:schemeClr val="dk1"/>
+          </a:fontRef>
+        </p:style>
+      </p:cxnSp>
+      <p:sp>
+        <p:nvSpPr>
+          <p:cNvPr id="244" name="Rectangle 8">
+            <a:extLst>
+              <a:ext uri="{FF2B5EF4-FFF2-40B4-BE49-F238E27FC236}">
+                <a16:creationId xmlns:a16="http://schemas.microsoft.com/office/drawing/2014/main" id="{28129F62-81CB-4615-B4F9-0863B6152BE0}"/>
+              </a:ext>
+            </a:extLst>
+          </p:cNvPr>
+          <p:cNvSpPr/>
+          <p:nvPr/>
+        </p:nvSpPr>
+        <p:spPr>
+          <a:xfrm>
+            <a:off x="6258488" y="5547341"/>
+            <a:ext cx="1361511" cy="285783"/>
+          </a:xfrm>
+          <a:prstGeom prst="rect">
+            <a:avLst/>
+          </a:prstGeom>
+          <a:ln w="19050">
+            <a:solidFill>
+              <a:srgbClr val="7030A0"/>
+            </a:solidFill>
+          </a:ln>
+          <a:effectLst/>
+        </p:spPr>
+        <p:style>
+          <a:lnRef idx="1">
+            <a:schemeClr val="accent4"/>
+          </a:lnRef>
+          <a:fillRef idx="2">
+            <a:schemeClr val="accent4"/>
+          </a:fillRef>
+          <a:effectRef idx="1">
+            <a:schemeClr val="accent4"/>
+          </a:effectRef>
+          <a:fontRef idx="minor">
+            <a:schemeClr val="dk1"/>
+          </a:fontRef>
+        </p:style>
+        <p:txBody>
+          <a:bodyPr rtlCol="0" anchor="ctr"/>
+          <a:lstStyle/>
+          <a:p>
+            <a:pPr algn="ctr"/>
+            <a:r>
+              <a:rPr lang="en-US" sz="1050" dirty="0" err="1">
+                <a:solidFill>
+                  <a:srgbClr val="7030A0"/>
+                </a:solidFill>
+              </a:rPr>
+              <a:t>IngredientUnit</a:t>
+            </a:r>
+            <a:endParaRPr lang="en-SG" sz="1050" dirty="0">
+              <a:solidFill>
+                <a:srgbClr val="7030A0"/>
+              </a:solidFill>
+            </a:endParaRPr>
+          </a:p>
+        </p:txBody>
+      </p:sp>
+      <p:cxnSp>
+        <p:nvCxnSpPr>
+          <p:cNvPr id="245" name="Elbow Connector 83">
+            <a:extLst>
+              <a:ext uri="{FF2B5EF4-FFF2-40B4-BE49-F238E27FC236}">
+                <a16:creationId xmlns:a16="http://schemas.microsoft.com/office/drawing/2014/main" id="{7424FA57-409A-4C4E-917F-7E95CBAD5884}"/>
+              </a:ext>
+            </a:extLst>
+          </p:cNvPr>
+          <p:cNvCxnSpPr>
+            <a:cxnSpLocks/>
+            <a:endCxn id="244" idx="1"/>
+          </p:cNvCxnSpPr>
+          <p:nvPr/>
+        </p:nvCxnSpPr>
+        <p:spPr>
+          <a:xfrm>
+            <a:off x="5791200" y="5371729"/>
+            <a:ext cx="467288" cy="318504"/>
+          </a:xfrm>
+          <a:prstGeom prst="bentConnector3">
+            <a:avLst/>
+          </a:prstGeom>
+          <a:ln w="19050">
+            <a:solidFill>
+              <a:srgbClr val="7030A0"/>
+            </a:solidFill>
+            <a:headEnd type="none" w="med" len="med"/>
+            <a:tailEnd type="arrow" w="med" len="med"/>
+          </a:ln>
+          <a:effectLst/>
+        </p:spPr>
+        <p:style>
+          <a:lnRef idx="1">
+            <a:schemeClr val="accent2"/>
+          </a:lnRef>
+          <a:fillRef idx="2">
+            <a:schemeClr val="accent2"/>
+          </a:fillRef>
+          <a:effectRef idx="1">
+            <a:schemeClr val="accent2"/>
+          </a:effectRef>
+          <a:fontRef idx="minor">
+            <a:schemeClr val="dk1"/>
+          </a:fontRef>
+        </p:style>
+      </p:cxnSp>
+      <p:sp>
+        <p:nvSpPr>
+          <p:cNvPr id="272" name="Flowchart: Decision 96">
+            <a:extLst>
+              <a:ext uri="{FF2B5EF4-FFF2-40B4-BE49-F238E27FC236}">
+                <a16:creationId xmlns:a16="http://schemas.microsoft.com/office/drawing/2014/main" id="{C1075531-BDC7-4B02-BCDF-8251900789C7}"/>
+              </a:ext>
+            </a:extLst>
+          </p:cNvPr>
+          <p:cNvSpPr/>
+          <p:nvPr/>
+        </p:nvSpPr>
+        <p:spPr>
+          <a:xfrm>
+            <a:off x="4827257" y="2120701"/>
+            <a:ext cx="236048" cy="173380"/>
+          </a:xfrm>
+          <a:prstGeom prst="flowChartDecision">
+            <a:avLst/>
+          </a:prstGeom>
+          <a:solidFill>
+            <a:srgbClr val="7030A0"/>
+          </a:solidFill>
+          <a:ln w="19050">
+            <a:solidFill>
+              <a:srgbClr val="7030A0"/>
+            </a:solidFill>
+          </a:ln>
+          <a:effectLst/>
+        </p:spPr>
+        <p:style>
+          <a:lnRef idx="1">
+            <a:schemeClr val="accent6"/>
+          </a:lnRef>
+          <a:fillRef idx="2">
+            <a:schemeClr val="accent6"/>
+          </a:fillRef>
+          <a:effectRef idx="1">
+            <a:schemeClr val="accent6"/>
+          </a:effectRef>
+          <a:fontRef idx="minor">
+            <a:schemeClr val="dk1"/>
+          </a:fontRef>
+        </p:style>
+        <p:txBody>
+          <a:bodyPr rtlCol="0" anchor="ctr"/>
+          <a:lstStyle/>
+          <a:p>
+            <a:pPr algn="ctr"/>
+            <a:endParaRPr lang="en-US" sz="1050" dirty="0"/>
+          </a:p>
+        </p:txBody>
+      </p:sp>
+      <p:sp>
+        <p:nvSpPr>
+          <p:cNvPr id="279" name="TextBox 278">
+            <a:extLst>
+              <a:ext uri="{FF2B5EF4-FFF2-40B4-BE49-F238E27FC236}">
+                <a16:creationId xmlns:a16="http://schemas.microsoft.com/office/drawing/2014/main" id="{0CF7D383-F990-4620-A153-CBD6501D7E86}"/>
+              </a:ext>
+            </a:extLst>
+          </p:cNvPr>
+          <p:cNvSpPr txBox="1"/>
+          <p:nvPr/>
+        </p:nvSpPr>
+        <p:spPr>
+          <a:xfrm>
+            <a:off x="6002190" y="2767641"/>
+            <a:ext cx="189257" cy="178683"/>
+          </a:xfrm>
+          <a:prstGeom prst="rect">
+            <a:avLst/>
+          </a:prstGeom>
+          <a:noFill/>
+        </p:spPr>
+        <p:txBody>
+          <a:bodyPr wrap="square" lIns="0" tIns="0" rIns="0" bIns="0" rtlCol="0">
+            <a:noAutofit/>
+          </a:bodyPr>
+          <a:lstStyle/>
+          <a:p>
+            <a:pPr algn="ctr"/>
+            <a:r>
+              <a:rPr lang="en-US" sz="1100" dirty="0">
+                <a:solidFill>
+                  <a:srgbClr val="7030A0"/>
+                </a:solidFill>
+              </a:rPr>
+              <a:t>1</a:t>
+            </a:r>
+            <a:endParaRPr lang="en-SG" sz="1100" dirty="0">
+              <a:solidFill>
+                <a:srgbClr val="7030A0"/>
+              </a:solidFill>
+            </a:endParaRPr>
+          </a:p>
+        </p:txBody>
+      </p:sp>
+      <p:sp>
+        <p:nvSpPr>
+          <p:cNvPr id="283" name="Isosceles Triangle 102">
+            <a:extLst>
+              <a:ext uri="{FF2B5EF4-FFF2-40B4-BE49-F238E27FC236}">
+                <a16:creationId xmlns:a16="http://schemas.microsoft.com/office/drawing/2014/main" id="{8DA91F10-C08C-4229-ADC3-569D4D6C35E3}"/>
+              </a:ext>
+            </a:extLst>
+          </p:cNvPr>
+          <p:cNvSpPr/>
+          <p:nvPr/>
+        </p:nvSpPr>
+        <p:spPr>
+          <a:xfrm rot="16200000">
+            <a:off x="3307051" y="3513366"/>
+            <a:ext cx="271014" cy="187417"/>
+          </a:xfrm>
+          <a:prstGeom prst="triangle">
+            <a:avLst>
+              <a:gd name="adj" fmla="val 44517"/>
+            </a:avLst>
+          </a:prstGeom>
+          <a:solidFill>
+            <a:schemeClr val="accent4">
+              <a:lumMod val="40000"/>
+              <a:lumOff val="60000"/>
+            </a:schemeClr>
+          </a:solidFill>
+          <a:ln w="19050">
+            <a:solidFill>
+              <a:srgbClr val="7030A0"/>
+            </a:solidFill>
+          </a:ln>
+          <a:effectLst/>
+        </p:spPr>
+        <p:style>
+          <a:lnRef idx="1">
+            <a:schemeClr val="accent6"/>
+          </a:lnRef>
+          <a:fillRef idx="2">
+            <a:schemeClr val="accent6"/>
+          </a:fillRef>
+          <a:effectRef idx="1">
+            <a:schemeClr val="accent6"/>
+          </a:effectRef>
+          <a:fontRef idx="minor">
+            <a:schemeClr val="dk1"/>
+          </a:fontRef>
+        </p:style>
+        <p:txBody>
+          <a:bodyPr rtlCol="0" anchor="ctr"/>
+          <a:lstStyle/>
+          <a:p>
+            <a:pPr algn="ctr"/>
+            <a:endParaRPr lang="en-SG" sz="1050" dirty="0"/>
+          </a:p>
+        </p:txBody>
+      </p:sp>
     </p:spTree>
     <p:extLst>
       <p:ext uri="{BB962C8B-B14F-4D97-AF65-F5344CB8AC3E}">
